--- a/Lectures/16 - Techniques for Choosing Predictors.pptx
+++ b/Lectures/16 - Techniques for Choosing Predictors.pptx
@@ -4504,7 +4504,7 @@
                 <a:ea typeface="+mn-ea"/>
                 <a:cs typeface="+mn-cs"/>
               </a:rPr>
-              <a:t> 7</a:t>
+              <a:t> 8</a:t>
             </a:r>
           </a:p>
           <a:p>
@@ -8449,8 +8449,8 @@
           </a:p>
         </p:txBody>
       </p:sp>
-      <mc:AlternateContent xmlns:mc="http://schemas.openxmlformats.org/markup-compatibility/2006">
-        <mc:Choice xmlns:a14="http://schemas.microsoft.com/office/drawing/2010/main" Requires="a14">
+      <mc:AlternateContent xmlns:mc="http://schemas.openxmlformats.org/markup-compatibility/2006" xmlns:a14="http://schemas.microsoft.com/office/drawing/2010/main">
+        <mc:Choice Requires="a14">
           <p:sp>
             <p:nvSpPr>
               <p:cNvPr id="7" name="TextBox 6">
@@ -9299,7 +9299,7 @@
             </p:txBody>
           </p:sp>
         </mc:Choice>
-        <mc:Fallback>
+        <mc:Fallback xmlns="">
           <p:sp>
             <p:nvSpPr>
               <p:cNvPr id="7" name="TextBox 6">
@@ -9349,8 +9349,8 @@
           </p:sp>
         </mc:Fallback>
       </mc:AlternateContent>
-      <mc:AlternateContent xmlns:mc="http://schemas.openxmlformats.org/markup-compatibility/2006">
-        <mc:Choice xmlns:a14="http://schemas.microsoft.com/office/drawing/2010/main" Requires="a14">
+      <mc:AlternateContent xmlns:mc="http://schemas.openxmlformats.org/markup-compatibility/2006" xmlns:a14="http://schemas.microsoft.com/office/drawing/2010/main">
+        <mc:Choice Requires="a14">
           <p:sp>
             <p:nvSpPr>
               <p:cNvPr id="3" name="TextBox 2">
@@ -9379,6 +9379,7 @@
               </a:bodyPr>
               <a:lstStyle/>
               <a:p>
+                <a:pPr/>
                 <a14:m>
                   <m:oMathPara xmlns:m="http://schemas.openxmlformats.org/officeDocument/2006/math">
                     <m:oMathParaPr>
@@ -9566,7 +9567,7 @@
             </p:txBody>
           </p:sp>
         </mc:Choice>
-        <mc:Fallback>
+        <mc:Fallback xmlns="">
           <p:sp>
             <p:nvSpPr>
               <p:cNvPr id="3" name="TextBox 2">
@@ -9888,8 +9889,8 @@
           </a:p>
         </p:txBody>
       </p:sp>
-      <mc:AlternateContent xmlns:mc="http://schemas.openxmlformats.org/markup-compatibility/2006">
-        <mc:Choice xmlns:a14="http://schemas.microsoft.com/office/drawing/2010/main" Requires="a14">
+      <mc:AlternateContent xmlns:mc="http://schemas.openxmlformats.org/markup-compatibility/2006" xmlns:a14="http://schemas.microsoft.com/office/drawing/2010/main">
+        <mc:Choice Requires="a14">
           <p:sp>
             <p:nvSpPr>
               <p:cNvPr id="7" name="TextBox 6">
@@ -10133,7 +10134,7 @@
             </p:txBody>
           </p:sp>
         </mc:Choice>
-        <mc:Fallback>
+        <mc:Fallback xmlns="">
           <p:sp>
             <p:nvSpPr>
               <p:cNvPr id="7" name="TextBox 6">
@@ -11555,8 +11556,8 @@
           </a:p>
         </p:txBody>
       </p:sp>
-      <mc:AlternateContent xmlns:mc="http://schemas.openxmlformats.org/markup-compatibility/2006">
-        <mc:Choice xmlns:a14="http://schemas.microsoft.com/office/drawing/2010/main" Requires="a14">
+      <mc:AlternateContent xmlns:mc="http://schemas.openxmlformats.org/markup-compatibility/2006" xmlns:a14="http://schemas.microsoft.com/office/drawing/2010/main">
+        <mc:Choice Requires="a14">
           <p:sp>
             <p:nvSpPr>
               <p:cNvPr id="7" name="TextBox 6">
@@ -12209,7 +12210,7 @@
             </p:txBody>
           </p:sp>
         </mc:Choice>
-        <mc:Fallback>
+        <mc:Fallback xmlns="">
           <p:sp>
             <p:nvSpPr>
               <p:cNvPr id="7" name="TextBox 6">
@@ -12259,8 +12260,8 @@
           </p:sp>
         </mc:Fallback>
       </mc:AlternateContent>
-      <mc:AlternateContent xmlns:mc="http://schemas.openxmlformats.org/markup-compatibility/2006">
-        <mc:Choice xmlns:a14="http://schemas.microsoft.com/office/drawing/2010/main" Requires="a14">
+      <mc:AlternateContent xmlns:mc="http://schemas.openxmlformats.org/markup-compatibility/2006" xmlns:a14="http://schemas.microsoft.com/office/drawing/2010/main">
+        <mc:Choice Requires="a14">
           <p:sp>
             <p:nvSpPr>
               <p:cNvPr id="3" name="TextBox 2">
@@ -12289,6 +12290,7 @@
               </a:bodyPr>
               <a:lstStyle/>
               <a:p>
+                <a:pPr/>
                 <a14:m>
                   <m:oMathPara xmlns:m="http://schemas.openxmlformats.org/officeDocument/2006/math">
                     <m:oMathParaPr>
@@ -12450,7 +12452,7 @@
             </p:txBody>
           </p:sp>
         </mc:Choice>
-        <mc:Fallback>
+        <mc:Fallback xmlns="">
           <p:sp>
             <p:nvSpPr>
               <p:cNvPr id="3" name="TextBox 2">

--- a/Lectures/16 - Techniques for Choosing Predictors.pptx
+++ b/Lectures/16 - Techniques for Choosing Predictors.pptx
@@ -18,14 +18,14 @@
     <p:sldId id="406" r:id="rId6"/>
     <p:sldId id="407" r:id="rId7"/>
     <p:sldId id="405" r:id="rId8"/>
-    <p:sldId id="397" r:id="rId9"/>
-    <p:sldId id="398" r:id="rId10"/>
-    <p:sldId id="399" r:id="rId11"/>
-    <p:sldId id="390" r:id="rId12"/>
-    <p:sldId id="400" r:id="rId13"/>
-    <p:sldId id="401" r:id="rId14"/>
-    <p:sldId id="402" r:id="rId15"/>
-    <p:sldId id="403" r:id="rId16"/>
+    <p:sldId id="408" r:id="rId9"/>
+    <p:sldId id="410" r:id="rId10"/>
+    <p:sldId id="409" r:id="rId11"/>
+    <p:sldId id="411" r:id="rId12"/>
+    <p:sldId id="412" r:id="rId13"/>
+    <p:sldId id="413" r:id="rId14"/>
+    <p:sldId id="415" r:id="rId15"/>
+    <p:sldId id="414" r:id="rId16"/>
     <p:sldId id="358" r:id="rId17"/>
   </p:sldIdLst>
   <p:sldSz cx="12192000" cy="6858000"/>
@@ -5090,7 +5090,7 @@
                 <a:latin typeface="Adobe Devanagari" panose="02040503050201020203" pitchFamily="18" charset="0"/>
                 <a:cs typeface="Adobe Devanagari" panose="02040503050201020203" pitchFamily="18" charset="0"/>
               </a:rPr>
-              <a:t>Example: Predicting Price of Home</a:t>
+              <a:t>Model Selection Algorithms</a:t>
             </a:r>
             <a:endParaRPr lang="en-US" sz="4800" dirty="0">
               <a:solidFill>
@@ -5114,8 +5114,8 @@
         </p:nvSpPr>
         <p:spPr>
           <a:xfrm>
-            <a:off x="457200" y="1974727"/>
-            <a:ext cx="11201400" cy="2962513"/>
+            <a:off x="457200" y="1981200"/>
+            <a:ext cx="11201400" cy="3915966"/>
           </a:xfrm>
           <a:prstGeom prst="roundRect">
             <a:avLst/>
@@ -5159,153 +5159,113 @@
                   <a:srgbClr val="660066"/>
                 </a:solidFill>
               </a:rPr>
-              <a:t>The </a:t>
-            </a:r>
-            <a:r>
-              <a:rPr lang="en-US" sz="2800" b="1" dirty="0">
-                <a:solidFill>
-                  <a:srgbClr val="660066"/>
-                </a:solidFill>
-              </a:rPr>
-              <a:t>Correlation</a:t>
-            </a:r>
-            <a:r>
-              <a:rPr lang="en-US" sz="2800" dirty="0">
-                <a:solidFill>
-                  <a:srgbClr val="660066"/>
-                </a:solidFill>
-              </a:rPr>
-              <a:t> between </a:t>
-            </a:r>
-            <a:r>
-              <a:rPr lang="en-US" sz="2800" b="1" dirty="0">
-                <a:solidFill>
-                  <a:srgbClr val="660066"/>
-                </a:solidFill>
-              </a:rPr>
-              <a:t>Lot </a:t>
-            </a:r>
-            <a:r>
-              <a:rPr lang="en-US" sz="2800" dirty="0">
-                <a:solidFill>
-                  <a:srgbClr val="660066"/>
-                </a:solidFill>
-              </a:rPr>
-              <a:t>and </a:t>
-            </a:r>
-            <a:r>
-              <a:rPr lang="en-US" sz="2800" b="1" dirty="0">
-                <a:solidFill>
-                  <a:srgbClr val="660066"/>
-                </a:solidFill>
-              </a:rPr>
-              <a:t>Size </a:t>
-            </a:r>
-            <a:r>
-              <a:rPr lang="en-US" sz="2800" dirty="0">
-                <a:solidFill>
-                  <a:srgbClr val="660066"/>
-                </a:solidFill>
-              </a:rPr>
-              <a:t>is relatively high</a:t>
-            </a:r>
-          </a:p>
-          <a:p>
-            <a:pPr marL="457200" indent="-457200">
+              <a:t>Positives and Negatives of Backwards Elimination</a:t>
+            </a:r>
+          </a:p>
+          <a:p>
+            <a:pPr marL="914400" lvl="1" indent="-457200">
               <a:buFont typeface="Arial" panose="020B0604020202020204" pitchFamily="34" charset="0"/>
               <a:buChar char="•"/>
             </a:pPr>
-            <a:endParaRPr lang="en-US" sz="2800" i="1" dirty="0">
-              <a:solidFill>
-                <a:srgbClr val="660066"/>
-              </a:solidFill>
-            </a:endParaRPr>
-          </a:p>
-          <a:p>
-            <a:pPr marL="457200" indent="-457200">
+            <a:r>
+              <a:rPr lang="en-US" sz="2800" dirty="0">
+                <a:solidFill>
+                  <a:srgbClr val="660066"/>
+                </a:solidFill>
+              </a:rPr>
+              <a:t>(+) We are Not Fitting All Subsets</a:t>
+            </a:r>
+          </a:p>
+          <a:p>
+            <a:pPr marL="914400" lvl="1" indent="-457200">
               <a:buFont typeface="Arial" panose="020B0604020202020204" pitchFamily="34" charset="0"/>
               <a:buChar char="•"/>
             </a:pPr>
-            <a:endParaRPr lang="en-US" sz="2800" i="1" dirty="0">
-              <a:solidFill>
-                <a:srgbClr val="660066"/>
-              </a:solidFill>
-            </a:endParaRPr>
-          </a:p>
-          <a:p>
-            <a:pPr marL="457200" indent="-457200">
+            <a:r>
+              <a:rPr lang="en-US" sz="2800" dirty="0">
+                <a:solidFill>
+                  <a:srgbClr val="660066"/>
+                </a:solidFill>
+              </a:rPr>
+              <a:t>(+) We Start By Seeing What the Full Model Looks Like</a:t>
+            </a:r>
+          </a:p>
+          <a:p>
+            <a:pPr marL="914400" lvl="1" indent="-457200">
               <a:buFont typeface="Arial" panose="020B0604020202020204" pitchFamily="34" charset="0"/>
               <a:buChar char="•"/>
             </a:pPr>
-            <a:endParaRPr lang="en-US" sz="2800" i="1" dirty="0">
-              <a:solidFill>
-                <a:srgbClr val="660066"/>
-              </a:solidFill>
-            </a:endParaRPr>
-          </a:p>
-          <a:p>
-            <a:pPr marL="457200" indent="-457200">
+            <a:r>
+              <a:rPr lang="en-US" sz="2800" dirty="0">
+                <a:solidFill>
+                  <a:srgbClr val="660066"/>
+                </a:solidFill>
+              </a:rPr>
+              <a:t>(+) We Make Use of All Predictor Variables</a:t>
+            </a:r>
+          </a:p>
+          <a:p>
+            <a:pPr marL="914400" lvl="1" indent="-457200">
               <a:buFont typeface="Arial" panose="020B0604020202020204" pitchFamily="34" charset="0"/>
               <a:buChar char="•"/>
             </a:pPr>
-            <a:endParaRPr lang="en-US" sz="2800" i="1" dirty="0">
-              <a:solidFill>
-                <a:srgbClr val="660066"/>
-              </a:solidFill>
-            </a:endParaRPr>
-          </a:p>
-          <a:p>
-            <a:pPr marL="457200" indent="-457200">
+            <a:r>
+              <a:rPr lang="en-US" sz="2800" dirty="0">
+                <a:solidFill>
+                  <a:srgbClr val="660066"/>
+                </a:solidFill>
+              </a:rPr>
+              <a:t>(-) Initial Models are Very Complex and Overfitted</a:t>
+            </a:r>
+          </a:p>
+          <a:p>
+            <a:pPr marL="914400" lvl="1" indent="-457200">
               <a:buFont typeface="Arial" panose="020B0604020202020204" pitchFamily="34" charset="0"/>
               <a:buChar char="•"/>
             </a:pPr>
-            <a:endParaRPr lang="en-US" sz="2800" i="1" dirty="0">
-              <a:solidFill>
-                <a:srgbClr val="660066"/>
-              </a:solidFill>
-            </a:endParaRPr>
+            <a:r>
+              <a:rPr lang="en-US" sz="2800" dirty="0">
+                <a:solidFill>
+                  <a:srgbClr val="660066"/>
+                </a:solidFill>
+              </a:rPr>
+              <a:t>(-) Still Likely to Lead to an Overfitted Model</a:t>
+            </a:r>
+          </a:p>
+          <a:p>
+            <a:pPr marL="914400" lvl="1" indent="-457200">
+              <a:buFont typeface="Arial" panose="020B0604020202020204" pitchFamily="34" charset="0"/>
+              <a:buChar char="•"/>
+            </a:pPr>
+            <a:r>
+              <a:rPr lang="en-US" sz="2800" dirty="0">
+                <a:solidFill>
+                  <a:srgbClr val="660066"/>
+                </a:solidFill>
+              </a:rPr>
+              <a:t>(-) Multicollinearity Could Lead Us to Making a Mistake</a:t>
+            </a:r>
+          </a:p>
+          <a:p>
+            <a:pPr marL="914400" lvl="1" indent="-457200">
+              <a:buFont typeface="Arial" panose="020B0604020202020204" pitchFamily="34" charset="0"/>
+              <a:buChar char="•"/>
+            </a:pPr>
+            <a:r>
+              <a:rPr lang="en-US" sz="2800" dirty="0">
+                <a:solidFill>
+                  <a:srgbClr val="660066"/>
+                </a:solidFill>
+              </a:rPr>
+              <a:t>(-) Once a Predictor is Gone It Will Never Return</a:t>
+            </a:r>
           </a:p>
         </p:txBody>
       </p:sp>
-      <p:pic>
-        <p:nvPicPr>
-          <p:cNvPr id="4" name="Picture 3">
-            <a:extLst>
-              <a:ext uri="{FF2B5EF4-FFF2-40B4-BE49-F238E27FC236}">
-                <a16:creationId xmlns:a16="http://schemas.microsoft.com/office/drawing/2014/main" id="{187117AD-2BC4-673B-FF65-161D5E9D215C}"/>
-              </a:ext>
-            </a:extLst>
-          </p:cNvPr>
-          <p:cNvPicPr>
-            <a:picLocks noChangeAspect="1"/>
-          </p:cNvPicPr>
-          <p:nvPr/>
-        </p:nvPicPr>
-        <p:blipFill>
-          <a:blip r:embed="rId3"/>
-          <a:stretch>
-            <a:fillRect/>
-          </a:stretch>
-        </p:blipFill>
-        <p:spPr>
-          <a:xfrm>
-            <a:off x="3581400" y="2877434"/>
-            <a:ext cx="4348880" cy="1529001"/>
-          </a:xfrm>
-          <a:prstGeom prst="rect">
-            <a:avLst/>
-          </a:prstGeom>
-          <a:ln w="28575">
-            <a:solidFill>
-              <a:srgbClr val="660066"/>
-            </a:solidFill>
-          </a:ln>
-        </p:spPr>
-      </p:pic>
     </p:spTree>
     <p:extLst>
       <p:ext uri="{BB962C8B-B14F-4D97-AF65-F5344CB8AC3E}">
-        <p14:creationId xmlns:p14="http://schemas.microsoft.com/office/powerpoint/2010/main" val="1664335465"/>
+        <p14:creationId xmlns:p14="http://schemas.microsoft.com/office/powerpoint/2010/main" val="4225120226"/>
       </p:ext>
     </p:extLst>
   </p:cSld>
@@ -5481,7 +5441,7 @@
                 <a:latin typeface="Adobe Devanagari" panose="02040503050201020203" pitchFamily="18" charset="0"/>
                 <a:cs typeface="Adobe Devanagari" panose="02040503050201020203" pitchFamily="18" charset="0"/>
               </a:rPr>
-              <a:t>Multicollinearity</a:t>
+              <a:t>Model Selection Algorithms</a:t>
             </a:r>
             <a:endParaRPr lang="en-US" sz="4800" dirty="0">
               <a:solidFill>
@@ -5506,7 +5466,7 @@
         <p:spPr>
           <a:xfrm>
             <a:off x="457200" y="1981200"/>
-            <a:ext cx="11201400" cy="4869418"/>
+            <a:ext cx="11201400" cy="3439239"/>
           </a:xfrm>
           <a:prstGeom prst="roundRect">
             <a:avLst/>
@@ -5550,154 +5510,234 @@
                   <a:srgbClr val="660066"/>
                 </a:solidFill>
               </a:rPr>
-              <a:t>A Set of Predictors Exhibits </a:t>
-            </a:r>
-            <a:r>
-              <a:rPr lang="en-US" sz="2800" b="1" dirty="0">
-                <a:solidFill>
-                  <a:srgbClr val="660066"/>
-                </a:solidFill>
-              </a:rPr>
-              <a:t>Multicollinearity</a:t>
-            </a:r>
-            <a:r>
-              <a:rPr lang="en-US" sz="2800" dirty="0">
-                <a:solidFill>
-                  <a:srgbClr val="660066"/>
-                </a:solidFill>
-              </a:rPr>
-              <a:t> when One or More of the Predictors is </a:t>
-            </a:r>
-            <a:r>
-              <a:rPr lang="en-US" sz="2800" b="1" dirty="0">
-                <a:solidFill>
-                  <a:srgbClr val="660066"/>
-                </a:solidFill>
-              </a:rPr>
-              <a:t>Strongly Correlated</a:t>
-            </a:r>
-            <a:r>
-              <a:rPr lang="en-US" sz="2800" dirty="0">
-                <a:solidFill>
-                  <a:srgbClr val="660066"/>
-                </a:solidFill>
-              </a:rPr>
-              <a:t> with Some Combination of the Other Predictors in the Set</a:t>
-            </a:r>
-          </a:p>
-          <a:p>
-            <a:pPr marL="457200" indent="-457200">
+              <a:t>Forwards Selection</a:t>
+            </a:r>
+          </a:p>
+          <a:p>
+            <a:pPr marL="914400" lvl="1" indent="-457200">
               <a:buFont typeface="Arial" panose="020B0604020202020204" pitchFamily="34" charset="0"/>
               <a:buChar char="•"/>
             </a:pPr>
+            <a:r>
+              <a:rPr lang="en-US" sz="2800" dirty="0">
+                <a:solidFill>
+                  <a:srgbClr val="660066"/>
+                </a:solidFill>
+              </a:rPr>
+              <a:t>Fit Model With </a:t>
+            </a:r>
+            <a:r>
+              <a:rPr lang="en-US" sz="2800" b="1" dirty="0">
+                <a:solidFill>
+                  <a:srgbClr val="660066"/>
+                </a:solidFill>
+              </a:rPr>
+              <a:t>Only</a:t>
+            </a:r>
+            <a:r>
+              <a:rPr lang="en-US" sz="2800" dirty="0">
+                <a:solidFill>
+                  <a:srgbClr val="660066"/>
+                </a:solidFill>
+              </a:rPr>
+              <a:t> the </a:t>
+            </a:r>
+            <a:r>
+              <a:rPr lang="en-US" sz="2800" b="1" dirty="0">
+                <a:solidFill>
+                  <a:srgbClr val="660066"/>
+                </a:solidFill>
+              </a:rPr>
+              <a:t>Single</a:t>
+            </a:r>
+            <a:r>
+              <a:rPr lang="en-US" sz="2800" dirty="0">
+                <a:solidFill>
+                  <a:srgbClr val="660066"/>
+                </a:solidFill>
+              </a:rPr>
+              <a:t> Predictor with Strongest </a:t>
+            </a:r>
+            <a:r>
+              <a:rPr lang="en-US" sz="2800" b="1" i="1" dirty="0">
+                <a:solidFill>
+                  <a:srgbClr val="660066"/>
+                </a:solidFill>
+              </a:rPr>
+              <a:t>r</a:t>
+            </a:r>
+          </a:p>
+          <a:p>
+            <a:pPr marL="914400" lvl="1" indent="-457200">
+              <a:buFont typeface="Arial" panose="020B0604020202020204" pitchFamily="34" charset="0"/>
+              <a:buChar char="•"/>
+            </a:pPr>
+            <a:r>
+              <a:rPr lang="en-US" sz="2800" dirty="0">
+                <a:solidFill>
+                  <a:srgbClr val="660066"/>
+                </a:solidFill>
+              </a:rPr>
+              <a:t>If </a:t>
+            </a:r>
+            <a:r>
+              <a:rPr lang="en-US" sz="2800" b="1" dirty="0">
+                <a:solidFill>
+                  <a:srgbClr val="660066"/>
+                </a:solidFill>
+              </a:rPr>
+              <a:t>P-value &gt; 0.05</a:t>
+            </a:r>
+            <a:r>
+              <a:rPr lang="en-US" sz="2800" dirty="0">
+                <a:solidFill>
+                  <a:srgbClr val="660066"/>
+                </a:solidFill>
+              </a:rPr>
+              <a:t>, then </a:t>
+            </a:r>
+            <a:r>
+              <a:rPr lang="en-US" sz="2800" b="1" dirty="0">
+                <a:solidFill>
+                  <a:srgbClr val="660066"/>
+                </a:solidFill>
+              </a:rPr>
+              <a:t>Stop </a:t>
+            </a:r>
+            <a:r>
+              <a:rPr lang="en-US" sz="2800" dirty="0">
+                <a:solidFill>
+                  <a:srgbClr val="660066"/>
+                </a:solidFill>
+              </a:rPr>
+              <a:t>and </a:t>
+            </a:r>
+            <a:r>
+              <a:rPr lang="en-US" sz="2800" b="1" dirty="0">
+                <a:solidFill>
+                  <a:srgbClr val="660066"/>
+                </a:solidFill>
+              </a:rPr>
+              <a:t>Remove</a:t>
+            </a:r>
+          </a:p>
+          <a:p>
+            <a:pPr marL="914400" lvl="1" indent="-457200">
+              <a:buFont typeface="Arial" panose="020B0604020202020204" pitchFamily="34" charset="0"/>
+              <a:buChar char="•"/>
+            </a:pPr>
+            <a:r>
+              <a:rPr lang="en-US" sz="2800" dirty="0">
+                <a:solidFill>
+                  <a:srgbClr val="660066"/>
+                </a:solidFill>
+              </a:rPr>
+              <a:t>Otherwise, Find the </a:t>
+            </a:r>
+            <a:r>
+              <a:rPr lang="en-US" sz="2800" b="1" dirty="0">
+                <a:solidFill>
+                  <a:srgbClr val="660066"/>
+                </a:solidFill>
+              </a:rPr>
+              <a:t>Next</a:t>
+            </a:r>
+            <a:r>
+              <a:rPr lang="en-US" sz="2800" dirty="0">
+                <a:solidFill>
+                  <a:srgbClr val="660066"/>
+                </a:solidFill>
+              </a:rPr>
+              <a:t> Predictor that Maximizes R-squared When Added to the Model</a:t>
+            </a:r>
+          </a:p>
+          <a:p>
+            <a:pPr marL="914400" lvl="1" indent="-457200">
+              <a:buFont typeface="Arial" panose="020B0604020202020204" pitchFamily="34" charset="0"/>
+              <a:buChar char="•"/>
+            </a:pPr>
+            <a:r>
+              <a:rPr lang="en-US" sz="2800" dirty="0">
+                <a:solidFill>
+                  <a:srgbClr val="660066"/>
+                </a:solidFill>
+              </a:rPr>
+              <a:t>If </a:t>
+            </a:r>
+            <a:r>
+              <a:rPr lang="en-US" sz="2800" b="1" dirty="0">
+                <a:solidFill>
+                  <a:srgbClr val="660066"/>
+                </a:solidFill>
+              </a:rPr>
+              <a:t>P-value &gt; 0.05</a:t>
+            </a:r>
+            <a:r>
+              <a:rPr lang="en-US" sz="2800" dirty="0">
+                <a:solidFill>
+                  <a:srgbClr val="660066"/>
+                </a:solidFill>
+              </a:rPr>
+              <a:t>, then </a:t>
+            </a:r>
+            <a:r>
+              <a:rPr lang="en-US" sz="2800" b="1" dirty="0">
+                <a:solidFill>
+                  <a:srgbClr val="660066"/>
+                </a:solidFill>
+              </a:rPr>
+              <a:t>Stop </a:t>
+            </a:r>
+            <a:r>
+              <a:rPr lang="en-US" sz="2800" dirty="0">
+                <a:solidFill>
+                  <a:srgbClr val="660066"/>
+                </a:solidFill>
+              </a:rPr>
+              <a:t>and </a:t>
+            </a:r>
+            <a:r>
+              <a:rPr lang="en-US" sz="2800" b="1" dirty="0">
+                <a:solidFill>
+                  <a:srgbClr val="660066"/>
+                </a:solidFill>
+              </a:rPr>
+              <a:t>Remove</a:t>
+            </a:r>
+          </a:p>
+          <a:p>
+            <a:pPr marL="914400" lvl="1" indent="-457200">
+              <a:buFont typeface="Arial" panose="020B0604020202020204" pitchFamily="34" charset="0"/>
+              <a:buChar char="•"/>
+            </a:pPr>
+            <a:r>
+              <a:rPr lang="en-US" sz="2800" dirty="0">
+                <a:solidFill>
+                  <a:srgbClr val="660066"/>
+                </a:solidFill>
+              </a:rPr>
+              <a:t>Otherwise, Keep Repeating Until </a:t>
+            </a:r>
+            <a:r>
+              <a:rPr lang="en-US" sz="2800" b="1" dirty="0">
+                <a:solidFill>
+                  <a:srgbClr val="660066"/>
+                </a:solidFill>
+              </a:rPr>
+              <a:t>P-value &gt; 0.05</a:t>
+            </a:r>
             <a:endParaRPr lang="en-US" sz="2800" dirty="0">
               <a:solidFill>
                 <a:srgbClr val="660066"/>
               </a:solidFill>
             </a:endParaRPr>
           </a:p>
-          <a:p>
-            <a:pPr marL="457200" indent="-457200">
-              <a:buFont typeface="Arial" panose="020B0604020202020204" pitchFamily="34" charset="0"/>
-              <a:buChar char="•"/>
-            </a:pPr>
-            <a:r>
-              <a:rPr lang="en-US" sz="2800" dirty="0">
-                <a:solidFill>
-                  <a:srgbClr val="660066"/>
-                </a:solidFill>
-              </a:rPr>
-              <a:t>According to Statology.org, Strong Correlation is Greater than 0.75</a:t>
-            </a:r>
-          </a:p>
-          <a:p>
-            <a:pPr marL="457200" indent="-457200">
-              <a:buFont typeface="Arial" panose="020B0604020202020204" pitchFamily="34" charset="0"/>
-              <a:buChar char="•"/>
-            </a:pPr>
-            <a:endParaRPr lang="en-US" sz="2800" dirty="0">
-              <a:solidFill>
-                <a:srgbClr val="660066"/>
-              </a:solidFill>
-            </a:endParaRPr>
-          </a:p>
-          <a:p>
-            <a:pPr marL="457200" indent="-457200">
-              <a:buFont typeface="Arial" panose="020B0604020202020204" pitchFamily="34" charset="0"/>
-              <a:buChar char="•"/>
-            </a:pPr>
-            <a:r>
-              <a:rPr lang="en-US" sz="2800" dirty="0">
-                <a:solidFill>
-                  <a:srgbClr val="660066"/>
-                </a:solidFill>
-              </a:rPr>
-              <a:t>This is One Challenge in Dealing with Multiple Predictors</a:t>
-            </a:r>
-          </a:p>
-          <a:p>
-            <a:pPr marL="457200" indent="-457200">
-              <a:buFont typeface="Arial" panose="020B0604020202020204" pitchFamily="34" charset="0"/>
-              <a:buChar char="•"/>
-            </a:pPr>
-            <a:endParaRPr lang="en-US" sz="2800" dirty="0">
-              <a:solidFill>
-                <a:srgbClr val="660066"/>
-              </a:solidFill>
-            </a:endParaRPr>
-          </a:p>
-          <a:p>
-            <a:pPr marL="457200" indent="-457200">
-              <a:buFont typeface="Arial" panose="020B0604020202020204" pitchFamily="34" charset="0"/>
-              <a:buChar char="•"/>
-            </a:pPr>
-            <a:r>
-              <a:rPr lang="en-US" sz="2800" dirty="0">
-                <a:solidFill>
-                  <a:srgbClr val="660066"/>
-                </a:solidFill>
-              </a:rPr>
-              <a:t>If the One of the Predictors is </a:t>
-            </a:r>
-            <a:r>
-              <a:rPr lang="en-US" sz="2800" b="1" dirty="0">
-                <a:solidFill>
-                  <a:srgbClr val="660066"/>
-                </a:solidFill>
-              </a:rPr>
-              <a:t>Perfectly Correlated</a:t>
-            </a:r>
-            <a:r>
-              <a:rPr lang="en-US" sz="2800" dirty="0">
-                <a:solidFill>
-                  <a:srgbClr val="660066"/>
-                </a:solidFill>
-              </a:rPr>
-              <a:t> with Another Predictor, then There is </a:t>
-            </a:r>
-            <a:r>
-              <a:rPr lang="en-US" sz="2800" b="1" dirty="0">
-                <a:solidFill>
-                  <a:srgbClr val="660066"/>
-                </a:solidFill>
-              </a:rPr>
-              <a:t>No Unique Solution </a:t>
-            </a:r>
-            <a:r>
-              <a:rPr lang="en-US" sz="2800" dirty="0">
-                <a:solidFill>
-                  <a:srgbClr val="660066"/>
-                </a:solidFill>
-              </a:rPr>
-              <a:t>in Linear Regression</a:t>
-            </a:r>
-          </a:p>
         </p:txBody>
       </p:sp>
     </p:spTree>
     <p:extLst>
       <p:ext uri="{BB962C8B-B14F-4D97-AF65-F5344CB8AC3E}">
-        <p14:creationId xmlns:p14="http://schemas.microsoft.com/office/powerpoint/2010/main" val="98956485"/>
+        <p14:creationId xmlns:p14="http://schemas.microsoft.com/office/powerpoint/2010/main" val="2409007521"/>
       </p:ext>
     </p:extLst>
   </p:cSld>
@@ -5873,7 +5913,7 @@
                 <a:latin typeface="Adobe Devanagari" panose="02040503050201020203" pitchFamily="18" charset="0"/>
                 <a:cs typeface="Adobe Devanagari" panose="02040503050201020203" pitchFamily="18" charset="0"/>
               </a:rPr>
-              <a:t>Multicollinearity</a:t>
+              <a:t>Model Selection Algorithms</a:t>
             </a:r>
             <a:endParaRPr lang="en-US" sz="4800" dirty="0">
               <a:solidFill>
@@ -5898,7 +5938,7 @@
         <p:spPr>
           <a:xfrm>
             <a:off x="457200" y="1981200"/>
-            <a:ext cx="11201400" cy="3915966"/>
+            <a:ext cx="11201400" cy="2962513"/>
           </a:xfrm>
           <a:prstGeom prst="roundRect">
             <a:avLst/>
@@ -5942,30 +5982,25 @@
                   <a:srgbClr val="660066"/>
                 </a:solidFill>
               </a:rPr>
-              <a:t>The Individual t-Test Assesses How Much a Predictor Contributes to the Model </a:t>
-            </a:r>
-            <a:r>
-              <a:rPr lang="en-US" sz="2800" b="1" dirty="0">
-                <a:solidFill>
-                  <a:srgbClr val="660066"/>
-                </a:solidFill>
-              </a:rPr>
-              <a:t>After Accounting for the Other Predictors</a:t>
-            </a:r>
-          </a:p>
-          <a:p>
-            <a:pPr marL="457200" indent="-457200">
+              <a:t>Positives and Negatives of Forwards Selection</a:t>
+            </a:r>
+          </a:p>
+          <a:p>
+            <a:pPr marL="914400" lvl="1" indent="-457200">
               <a:buFont typeface="Arial" panose="020B0604020202020204" pitchFamily="34" charset="0"/>
               <a:buChar char="•"/>
             </a:pPr>
-            <a:endParaRPr lang="en-US" sz="2800" b="1" dirty="0">
-              <a:solidFill>
-                <a:srgbClr val="660066"/>
-              </a:solidFill>
-            </a:endParaRPr>
-          </a:p>
-          <a:p>
-            <a:pPr marL="457200" indent="-457200">
+            <a:r>
+              <a:rPr lang="en-US" sz="2800" dirty="0">
+                <a:solidFill>
+                  <a:srgbClr val="660066"/>
+                </a:solidFill>
+              </a:rPr>
+              <a:t>(+) Combats Against Multicollinearity Better</a:t>
+            </a:r>
+          </a:p>
+          <a:p>
+            <a:pPr marL="914400" lvl="1" indent="-457200">
               <a:buFont typeface="Arial" panose="020B0604020202020204" pitchFamily="34" charset="0"/>
               <a:buChar char="•"/>
             </a:pPr>
@@ -5975,70 +6010,25 @@
                   <a:srgbClr val="660066"/>
                 </a:solidFill>
               </a:rPr>
-              <a:t>When Two Predictor Variables are </a:t>
-            </a:r>
-            <a:r>
-              <a:rPr lang="en-US" sz="2800" b="1" dirty="0">
-                <a:solidFill>
-                  <a:srgbClr val="660066"/>
-                </a:solidFill>
-              </a:rPr>
-              <a:t>Individually Important </a:t>
-            </a:r>
-            <a:r>
-              <a:rPr lang="en-US" sz="2800" dirty="0">
-                <a:solidFill>
-                  <a:srgbClr val="660066"/>
-                </a:solidFill>
-              </a:rPr>
-              <a:t>but </a:t>
-            </a:r>
-            <a:r>
-              <a:rPr lang="en-US" sz="2800" b="1" dirty="0">
-                <a:solidFill>
-                  <a:srgbClr val="660066"/>
-                </a:solidFill>
-              </a:rPr>
-              <a:t>Highly Correlated</a:t>
-            </a:r>
-            <a:r>
-              <a:rPr lang="en-US" sz="2800" dirty="0">
-                <a:solidFill>
-                  <a:srgbClr val="660066"/>
-                </a:solidFill>
-              </a:rPr>
-              <a:t>, They Both </a:t>
-            </a:r>
-            <a:r>
-              <a:rPr lang="en-US" sz="2800" b="1" dirty="0">
-                <a:solidFill>
-                  <a:srgbClr val="660066"/>
-                </a:solidFill>
-              </a:rPr>
-              <a:t>Don’t</a:t>
-            </a:r>
-            <a:r>
-              <a:rPr lang="en-US" sz="2800" dirty="0">
-                <a:solidFill>
-                  <a:srgbClr val="660066"/>
-                </a:solidFill>
-              </a:rPr>
-              <a:t> Need to be in the Model Together</a:t>
-            </a:r>
-          </a:p>
-          <a:p>
-            <a:pPr marL="457200" indent="-457200">
+              <a:t>(+) Favors Smaller Models</a:t>
+            </a:r>
+          </a:p>
+          <a:p>
+            <a:pPr marL="914400" lvl="1" indent="-457200">
               <a:buFont typeface="Arial" panose="020B0604020202020204" pitchFamily="34" charset="0"/>
               <a:buChar char="•"/>
             </a:pPr>
-            <a:endParaRPr lang="en-US" sz="2800" b="1" dirty="0">
-              <a:solidFill>
-                <a:srgbClr val="660066"/>
-              </a:solidFill>
-            </a:endParaRPr>
-          </a:p>
-          <a:p>
-            <a:pPr marL="457200" indent="-457200">
+            <a:r>
+              <a:rPr lang="en-US" sz="2800" dirty="0">
+                <a:solidFill>
+                  <a:srgbClr val="660066"/>
+                </a:solidFill>
+              </a:rPr>
+              <a:t>(-) Typically Requires Fitting More Models</a:t>
+            </a:r>
+          </a:p>
+          <a:p>
+            <a:pPr marL="914400" lvl="1" indent="-457200">
               <a:buFont typeface="Arial" panose="020B0604020202020204" pitchFamily="34" charset="0"/>
               <a:buChar char="•"/>
             </a:pPr>
@@ -6048,63 +6038,21 @@
                   <a:srgbClr val="660066"/>
                 </a:solidFill>
               </a:rPr>
-              <a:t>If They are Both Included, </a:t>
-            </a:r>
-            <a:r>
-              <a:rPr lang="en-US" sz="2800" b="1" dirty="0">
-                <a:solidFill>
-                  <a:srgbClr val="660066"/>
-                </a:solidFill>
-              </a:rPr>
-              <a:t>R-Squared</a:t>
-            </a:r>
+              <a:t>(-) Very Unlikely that the Full Model Ever Gets Fit</a:t>
+            </a:r>
+          </a:p>
+          <a:p>
+            <a:pPr marL="914400" lvl="1" indent="-457200">
+              <a:buFont typeface="Arial" panose="020B0604020202020204" pitchFamily="34" charset="0"/>
+              <a:buChar char="•"/>
+            </a:pPr>
             <a:r>
               <a:rPr lang="en-US" sz="2800" dirty="0">
                 <a:solidFill>
                   <a:srgbClr val="660066"/>
                 </a:solidFill>
               </a:rPr>
-              <a:t> will be </a:t>
-            </a:r>
-            <a:r>
-              <a:rPr lang="en-US" sz="2800" b="1" dirty="0">
-                <a:solidFill>
-                  <a:srgbClr val="660066"/>
-                </a:solidFill>
-              </a:rPr>
-              <a:t>Moderately Improved</a:t>
-            </a:r>
-            <a:r>
-              <a:rPr lang="en-US" sz="2800" dirty="0">
-                <a:solidFill>
-                  <a:srgbClr val="660066"/>
-                </a:solidFill>
-              </a:rPr>
-              <a:t> and </a:t>
-            </a:r>
-            <a:r>
-              <a:rPr lang="en-US" sz="2800" b="1" dirty="0">
-                <a:solidFill>
-                  <a:srgbClr val="660066"/>
-                </a:solidFill>
-              </a:rPr>
-              <a:t>Adjusted R-Squared</a:t>
-            </a:r>
-            <a:r>
-              <a:rPr lang="en-US" sz="2800" dirty="0">
-                <a:solidFill>
-                  <a:srgbClr val="660066"/>
-                </a:solidFill>
-              </a:rPr>
-              <a:t> could Possibly Get </a:t>
-            </a:r>
-            <a:r>
-              <a:rPr lang="en-US" sz="2800" b="1" dirty="0">
-                <a:solidFill>
-                  <a:srgbClr val="660066"/>
-                </a:solidFill>
-              </a:rPr>
-              <a:t>Worse</a:t>
+              <a:t>(-) May Mislead to Thinking Important Variables are Not Important</a:t>
             </a:r>
           </a:p>
         </p:txBody>
@@ -6112,7 +6060,7 @@
     </p:spTree>
     <p:extLst>
       <p:ext uri="{BB962C8B-B14F-4D97-AF65-F5344CB8AC3E}">
-        <p14:creationId xmlns:p14="http://schemas.microsoft.com/office/powerpoint/2010/main" val="1702340250"/>
+        <p14:creationId xmlns:p14="http://schemas.microsoft.com/office/powerpoint/2010/main" val="3521768637"/>
       </p:ext>
     </p:extLst>
   </p:cSld>
@@ -6288,7 +6236,7 @@
                 <a:latin typeface="Adobe Devanagari" panose="02040503050201020203" pitchFamily="18" charset="0"/>
                 <a:cs typeface="Adobe Devanagari" panose="02040503050201020203" pitchFamily="18" charset="0"/>
               </a:rPr>
-              <a:t>Detecting Multicollinearity</a:t>
+              <a:t>Model Selection Algorithms</a:t>
             </a:r>
             <a:endParaRPr lang="en-US" sz="4800" dirty="0">
               <a:solidFill>
@@ -6313,7 +6261,7 @@
         <p:spPr>
           <a:xfrm>
             <a:off x="457200" y="1981200"/>
-            <a:ext cx="11201400" cy="4392692"/>
+            <a:ext cx="11201400" cy="4869418"/>
           </a:xfrm>
           <a:prstGeom prst="roundRect">
             <a:avLst/>
@@ -6352,45 +6300,80 @@
               <a:buChar char="•"/>
             </a:pPr>
             <a:r>
-              <a:rPr lang="en-US" sz="2800" b="1" dirty="0">
-                <a:solidFill>
-                  <a:srgbClr val="660066"/>
-                </a:solidFill>
-              </a:rPr>
-              <a:t>Correlation Matrix: </a:t>
-            </a:r>
-            <a:r>
               <a:rPr lang="en-US" sz="2800" dirty="0">
                 <a:solidFill>
                   <a:srgbClr val="660066"/>
                 </a:solidFill>
               </a:rPr>
-              <a:t>Calculates the Correlation Between Every Pair of Predictor Variables</a:t>
-            </a:r>
-          </a:p>
-          <a:p>
-            <a:pPr marL="457200" indent="-457200">
+              <a:t>Stepwise Regression</a:t>
+            </a:r>
+          </a:p>
+          <a:p>
+            <a:pPr marL="914400" lvl="1" indent="-457200">
               <a:buFont typeface="Arial" panose="020B0604020202020204" pitchFamily="34" charset="0"/>
               <a:buChar char="•"/>
             </a:pPr>
-            <a:endParaRPr lang="en-US" sz="2800" b="1" dirty="0">
-              <a:solidFill>
-                <a:srgbClr val="660066"/>
-              </a:solidFill>
-            </a:endParaRPr>
-          </a:p>
-          <a:p>
-            <a:pPr marL="457200" indent="-457200">
+            <a:r>
+              <a:rPr lang="en-US" sz="2800" dirty="0">
+                <a:solidFill>
+                  <a:srgbClr val="660066"/>
+                </a:solidFill>
+              </a:rPr>
+              <a:t>Uses </a:t>
+            </a:r>
+            <a:r>
+              <a:rPr lang="en-US" sz="2800" b="1" dirty="0">
+                <a:solidFill>
+                  <a:srgbClr val="660066"/>
+                </a:solidFill>
+              </a:rPr>
+              <a:t>Forward Selection </a:t>
+            </a:r>
+            <a:r>
+              <a:rPr lang="en-US" sz="2800" dirty="0">
+                <a:solidFill>
+                  <a:srgbClr val="660066"/>
+                </a:solidFill>
+              </a:rPr>
+              <a:t>to </a:t>
+            </a:r>
+            <a:r>
+              <a:rPr lang="en-US" sz="2800" b="1" dirty="0">
+                <a:solidFill>
+                  <a:srgbClr val="660066"/>
+                </a:solidFill>
+              </a:rPr>
+              <a:t>Add</a:t>
+            </a:r>
+            <a:r>
+              <a:rPr lang="en-US" sz="2800" dirty="0">
+                <a:solidFill>
+                  <a:srgbClr val="660066"/>
+                </a:solidFill>
+              </a:rPr>
+              <a:t> Variables</a:t>
+            </a:r>
+          </a:p>
+          <a:p>
+            <a:pPr marL="914400" lvl="1" indent="-457200">
               <a:buFont typeface="Arial" panose="020B0604020202020204" pitchFamily="34" charset="0"/>
               <a:buChar char="•"/>
             </a:pPr>
             <a:r>
+              <a:rPr lang="en-US" sz="2800" dirty="0">
+                <a:solidFill>
+                  <a:srgbClr val="660066"/>
+                </a:solidFill>
+              </a:rPr>
+              <a:t>Uses </a:t>
+            </a:r>
+            <a:r>
               <a:rPr lang="en-US" sz="2800" b="1" dirty="0">
                 <a:solidFill>
                   <a:srgbClr val="660066"/>
                 </a:solidFill>
               </a:rPr>
-              <a:t>Scatterplots: </a:t>
+              <a:t>Backward Elimination </a:t>
             </a:r>
             <a:r>
               <a:rPr lang="en-US" sz="2800" dirty="0">
@@ -6398,35 +6381,30 @@
                   <a:srgbClr val="660066"/>
                 </a:solidFill>
               </a:rPr>
-              <a:t>Create a Scatterplot for Every Pair of Predictor Variables</a:t>
-            </a:r>
-          </a:p>
-          <a:p>
-            <a:pPr marL="457200" indent="-457200">
+              <a:t>to </a:t>
+            </a:r>
+            <a:r>
+              <a:rPr lang="en-US" sz="2800" b="1" dirty="0">
+                <a:solidFill>
+                  <a:srgbClr val="660066"/>
+                </a:solidFill>
+              </a:rPr>
+              <a:t>Remove</a:t>
+            </a:r>
+            <a:r>
+              <a:rPr lang="en-US" sz="2800" dirty="0">
+                <a:solidFill>
+                  <a:srgbClr val="660066"/>
+                </a:solidFill>
+              </a:rPr>
+              <a:t> Redundant Information</a:t>
+            </a:r>
+          </a:p>
+          <a:p>
+            <a:pPr marL="914400" lvl="1" indent="-457200">
               <a:buFont typeface="Arial" panose="020B0604020202020204" pitchFamily="34" charset="0"/>
               <a:buChar char="•"/>
             </a:pPr>
-            <a:endParaRPr lang="en-US" sz="2800" b="1" dirty="0">
-              <a:solidFill>
-                <a:srgbClr val="660066"/>
-              </a:solidFill>
-            </a:endParaRPr>
-          </a:p>
-          <a:p>
-            <a:pPr marL="457200" indent="-457200">
-              <a:buFont typeface="Arial" panose="020B0604020202020204" pitchFamily="34" charset="0"/>
-              <a:buChar char="•"/>
-            </a:pPr>
-            <a:r>
-              <a:rPr lang="en-US" sz="2800" dirty="0">
-                <a:solidFill>
-                  <a:srgbClr val="660066"/>
-                </a:solidFill>
-              </a:rPr>
-              <a:t>We Wouldn’t Know if We had a Predictor that Was Highly Associated with a Combination of Predictors</a:t>
-            </a:r>
-          </a:p>
-          <a:p>
             <a:endParaRPr lang="en-US" sz="2800" dirty="0">
               <a:solidFill>
                 <a:srgbClr val="660066"/>
@@ -6444,519 +6422,118 @@
                   <a:srgbClr val="660066"/>
                 </a:solidFill>
               </a:rPr>
-              <a:t>Example:</a:t>
-            </a:r>
-            <a:endParaRPr lang="en-US" sz="2000" dirty="0">
+              <a:t>Advice: Run All Three Algorithms to Identify Competing Models</a:t>
+            </a:r>
+          </a:p>
+          <a:p>
+            <a:endParaRPr lang="en-US" sz="2800" dirty="0">
               <a:solidFill>
                 <a:srgbClr val="660066"/>
               </a:solidFill>
             </a:endParaRPr>
           </a:p>
+          <a:p>
+            <a:pPr marL="457200" indent="-457200">
+              <a:buFont typeface="Arial" panose="020B0604020202020204" pitchFamily="34" charset="0"/>
+              <a:buChar char="•"/>
+            </a:pPr>
+            <a:r>
+              <a:rPr lang="en-US" sz="2800" dirty="0">
+                <a:solidFill>
+                  <a:srgbClr val="660066"/>
+                </a:solidFill>
+              </a:rPr>
+              <a:t>You Can Use </a:t>
+            </a:r>
+            <a:r>
+              <a:rPr lang="en-US" sz="2800" b="1" dirty="0">
+                <a:solidFill>
+                  <a:srgbClr val="660066"/>
+                </a:solidFill>
+              </a:rPr>
+              <a:t>Better</a:t>
+            </a:r>
+            <a:r>
+              <a:rPr lang="en-US" sz="2800" dirty="0">
+                <a:solidFill>
+                  <a:srgbClr val="660066"/>
+                </a:solidFill>
+              </a:rPr>
+              <a:t> Criteria to Determine When to </a:t>
+            </a:r>
+            <a:r>
+              <a:rPr lang="en-US" sz="2800" b="1" dirty="0">
+                <a:solidFill>
+                  <a:srgbClr val="660066"/>
+                </a:solidFill>
+              </a:rPr>
+              <a:t>Add</a:t>
+            </a:r>
+            <a:r>
+              <a:rPr lang="en-US" sz="2800" dirty="0">
+                <a:solidFill>
+                  <a:srgbClr val="660066"/>
+                </a:solidFill>
+              </a:rPr>
+              <a:t> or </a:t>
+            </a:r>
+            <a:r>
+              <a:rPr lang="en-US" sz="2800" b="1" dirty="0">
+                <a:solidFill>
+                  <a:srgbClr val="660066"/>
+                </a:solidFill>
+              </a:rPr>
+              <a:t>Remove</a:t>
+            </a:r>
+          </a:p>
+          <a:p>
+            <a:pPr marL="914400" lvl="1" indent="-457200">
+              <a:buFont typeface="Arial" panose="020B0604020202020204" pitchFamily="34" charset="0"/>
+              <a:buChar char="•"/>
+            </a:pPr>
+            <a:r>
+              <a:rPr lang="en-US" sz="2800" dirty="0">
+                <a:solidFill>
+                  <a:srgbClr val="660066"/>
+                </a:solidFill>
+              </a:rPr>
+              <a:t>Adjusted R-Squared</a:t>
+            </a:r>
+          </a:p>
+          <a:p>
+            <a:pPr marL="914400" lvl="1" indent="-457200">
+              <a:buFont typeface="Arial" panose="020B0604020202020204" pitchFamily="34" charset="0"/>
+              <a:buChar char="•"/>
+            </a:pPr>
+            <a:r>
+              <a:rPr lang="en-US" sz="2800" dirty="0">
+                <a:solidFill>
+                  <a:srgbClr val="660066"/>
+                </a:solidFill>
+              </a:rPr>
+              <a:t>Mallow’s Cp</a:t>
+            </a:r>
+          </a:p>
+          <a:p>
+            <a:pPr marL="914400" lvl="1" indent="-457200">
+              <a:buFont typeface="Arial" panose="020B0604020202020204" pitchFamily="34" charset="0"/>
+              <a:buChar char="•"/>
+            </a:pPr>
+            <a:r>
+              <a:rPr lang="en-US" sz="2800" dirty="0">
+                <a:solidFill>
+                  <a:srgbClr val="660066"/>
+                </a:solidFill>
+              </a:rPr>
+              <a:t>AIC or BIC</a:t>
+            </a:r>
+          </a:p>
         </p:txBody>
       </p:sp>
-      <mc:AlternateContent xmlns:mc="http://schemas.openxmlformats.org/markup-compatibility/2006" xmlns:a14="http://schemas.microsoft.com/office/drawing/2010/main">
-        <mc:Choice Requires="a14">
-          <p:sp>
-            <p:nvSpPr>
-              <p:cNvPr id="3" name="TextBox 2">
-                <a:extLst>
-                  <a:ext uri="{FF2B5EF4-FFF2-40B4-BE49-F238E27FC236}">
-                    <a16:creationId xmlns:a16="http://schemas.microsoft.com/office/drawing/2014/main" id="{7082A025-324B-6A0C-A132-CE794B5F5EEC}"/>
-                  </a:ext>
-                </a:extLst>
-              </p:cNvPr>
-              <p:cNvSpPr txBox="1"/>
-              <p:nvPr/>
-            </p:nvSpPr>
-            <p:spPr>
-              <a:xfrm>
-                <a:off x="2133600" y="5711291"/>
-                <a:ext cx="9144000" cy="384144"/>
-              </a:xfrm>
-              <a:prstGeom prst="rect">
-                <a:avLst/>
-              </a:prstGeom>
-              <a:noFill/>
-            </p:spPr>
-            <p:txBody>
-              <a:bodyPr wrap="square" rtlCol="0">
-                <a:spAutoFit/>
-              </a:bodyPr>
-              <a:lstStyle/>
-              <a:p>
-                <a:pPr/>
-                <a14:m>
-                  <m:oMathPara xmlns:m="http://schemas.openxmlformats.org/officeDocument/2006/math">
-                    <m:oMathParaPr>
-                      <m:jc m:val="centerGroup"/>
-                    </m:oMathParaPr>
-                    <m:oMath xmlns:m="http://schemas.openxmlformats.org/officeDocument/2006/math">
-                      <m:acc>
-                        <m:accPr>
-                          <m:chr m:val="̂"/>
-                          <m:ctrlPr>
-                            <a:rPr lang="en-US" sz="1800" i="1" smtClean="0">
-                              <a:solidFill>
-                                <a:srgbClr val="660066"/>
-                              </a:solidFill>
-                              <a:latin typeface="Cambria Math" panose="02040503050406030204" pitchFamily="18" charset="0"/>
-                            </a:rPr>
-                          </m:ctrlPr>
-                        </m:accPr>
-                        <m:e>
-                          <m:r>
-                            <a:rPr lang="en-US" sz="1800" b="0" i="1" smtClean="0">
-                              <a:solidFill>
-                                <a:srgbClr val="660066"/>
-                              </a:solidFill>
-                              <a:latin typeface="Cambria Math" panose="02040503050406030204" pitchFamily="18" charset="0"/>
-                            </a:rPr>
-                            <m:t>𝐺𝑟𝑎𝑑𝑒</m:t>
-                          </m:r>
-                        </m:e>
-                      </m:acc>
-                      <m:r>
-                        <a:rPr lang="en-US" sz="1800" b="0" i="1" dirty="0" smtClean="0">
-                          <a:solidFill>
-                            <a:srgbClr val="660066"/>
-                          </a:solidFill>
-                          <a:latin typeface="Cambria Math" panose="02040503050406030204" pitchFamily="18" charset="0"/>
-                        </a:rPr>
-                        <m:t>=</m:t>
-                      </m:r>
-                      <m:sSub>
-                        <m:sSubPr>
-                          <m:ctrlPr>
-                            <a:rPr lang="en-US" sz="1800" b="0" i="1" dirty="0" smtClean="0">
-                              <a:solidFill>
-                                <a:srgbClr val="660066"/>
-                              </a:solidFill>
-                              <a:latin typeface="Cambria Math" panose="02040503050406030204" pitchFamily="18" charset="0"/>
-                            </a:rPr>
-                          </m:ctrlPr>
-                        </m:sSubPr>
-                        <m:e>
-                          <m:r>
-                            <a:rPr lang="en-US" sz="1800" b="0" i="1" dirty="0" smtClean="0">
-                              <a:solidFill>
-                                <a:srgbClr val="660066"/>
-                              </a:solidFill>
-                              <a:latin typeface="Cambria Math" panose="02040503050406030204" pitchFamily="18" charset="0"/>
-                            </a:rPr>
-                            <m:t>𝛽</m:t>
-                          </m:r>
-                        </m:e>
-                        <m:sub>
-                          <m:r>
-                            <a:rPr lang="en-US" sz="1800" b="0" i="1" dirty="0" smtClean="0">
-                              <a:solidFill>
-                                <a:srgbClr val="660066"/>
-                              </a:solidFill>
-                              <a:latin typeface="Cambria Math" panose="02040503050406030204" pitchFamily="18" charset="0"/>
-                            </a:rPr>
-                            <m:t>0</m:t>
-                          </m:r>
-                        </m:sub>
-                      </m:sSub>
-                      <m:r>
-                        <a:rPr lang="en-US" sz="1800" b="0" i="1" dirty="0" smtClean="0">
-                          <a:solidFill>
-                            <a:srgbClr val="660066"/>
-                          </a:solidFill>
-                          <a:latin typeface="Cambria Math" panose="02040503050406030204" pitchFamily="18" charset="0"/>
-                        </a:rPr>
-                        <m:t>+</m:t>
-                      </m:r>
-                      <m:sSub>
-                        <m:sSubPr>
-                          <m:ctrlPr>
-                            <a:rPr lang="en-US" sz="1800" b="0" i="1" dirty="0" smtClean="0">
-                              <a:solidFill>
-                                <a:srgbClr val="660066"/>
-                              </a:solidFill>
-                              <a:latin typeface="Cambria Math" panose="02040503050406030204" pitchFamily="18" charset="0"/>
-                            </a:rPr>
-                          </m:ctrlPr>
-                        </m:sSubPr>
-                        <m:e>
-                          <m:r>
-                            <a:rPr lang="en-US" sz="1800" b="0" i="1" dirty="0" smtClean="0">
-                              <a:solidFill>
-                                <a:srgbClr val="660066"/>
-                              </a:solidFill>
-                              <a:latin typeface="Cambria Math" panose="02040503050406030204" pitchFamily="18" charset="0"/>
-                            </a:rPr>
-                            <m:t>𝛽</m:t>
-                          </m:r>
-                        </m:e>
-                        <m:sub>
-                          <m:r>
-                            <a:rPr lang="en-US" sz="1800" b="0" i="1" dirty="0" smtClean="0">
-                              <a:solidFill>
-                                <a:srgbClr val="660066"/>
-                              </a:solidFill>
-                              <a:latin typeface="Cambria Math" panose="02040503050406030204" pitchFamily="18" charset="0"/>
-                            </a:rPr>
-                            <m:t>1</m:t>
-                          </m:r>
-                        </m:sub>
-                      </m:sSub>
-                      <m:d>
-                        <m:dPr>
-                          <m:ctrlPr>
-                            <a:rPr lang="en-US" sz="1800" b="0" i="1" dirty="0" smtClean="0">
-                              <a:solidFill>
-                                <a:srgbClr val="660066"/>
-                              </a:solidFill>
-                              <a:latin typeface="Cambria Math" panose="02040503050406030204" pitchFamily="18" charset="0"/>
-                            </a:rPr>
-                          </m:ctrlPr>
-                        </m:dPr>
-                        <m:e>
-                          <m:r>
-                            <a:rPr lang="en-US" sz="1800" b="0" i="1" dirty="0" smtClean="0">
-                              <a:solidFill>
-                                <a:srgbClr val="660066"/>
-                              </a:solidFill>
-                              <a:latin typeface="Cambria Math" panose="02040503050406030204" pitchFamily="18" charset="0"/>
-                            </a:rPr>
-                            <m:t>𝐺𝑟𝑎𝑑𝑒</m:t>
-                          </m:r>
-                          <m:r>
-                            <a:rPr lang="en-US" sz="1800" b="0" i="1" dirty="0" smtClean="0">
-                              <a:solidFill>
-                                <a:srgbClr val="660066"/>
-                              </a:solidFill>
-                              <a:latin typeface="Cambria Math" panose="02040503050406030204" pitchFamily="18" charset="0"/>
-                            </a:rPr>
-                            <m:t> </m:t>
-                          </m:r>
-                          <m:r>
-                            <a:rPr lang="en-US" sz="1800" b="0" i="1" dirty="0" smtClean="0">
-                              <a:solidFill>
-                                <a:srgbClr val="660066"/>
-                              </a:solidFill>
-                              <a:latin typeface="Cambria Math" panose="02040503050406030204" pitchFamily="18" charset="0"/>
-                            </a:rPr>
-                            <m:t>𝑜𝑛</m:t>
-                          </m:r>
-                          <m:r>
-                            <a:rPr lang="en-US" sz="1800" b="0" i="1" dirty="0" smtClean="0">
-                              <a:solidFill>
-                                <a:srgbClr val="660066"/>
-                              </a:solidFill>
-                              <a:latin typeface="Cambria Math" panose="02040503050406030204" pitchFamily="18" charset="0"/>
-                            </a:rPr>
-                            <m:t> </m:t>
-                          </m:r>
-                          <m:r>
-                            <a:rPr lang="en-US" sz="1800" b="0" i="1" dirty="0" smtClean="0">
-                              <a:solidFill>
-                                <a:srgbClr val="660066"/>
-                              </a:solidFill>
-                              <a:latin typeface="Cambria Math" panose="02040503050406030204" pitchFamily="18" charset="0"/>
-                            </a:rPr>
-                            <m:t>𝑀</m:t>
-                          </m:r>
-                          <m:r>
-                            <a:rPr lang="en-US" sz="1800" b="0" i="1" dirty="0" smtClean="0">
-                              <a:solidFill>
-                                <a:srgbClr val="660066"/>
-                              </a:solidFill>
-                              <a:latin typeface="Cambria Math" panose="02040503050406030204" pitchFamily="18" charset="0"/>
-                            </a:rPr>
-                            <m:t>1</m:t>
-                          </m:r>
-                        </m:e>
-                      </m:d>
-                      <m:r>
-                        <a:rPr lang="en-US" sz="1800" b="0" i="1" dirty="0" smtClean="0">
-                          <a:solidFill>
-                            <a:srgbClr val="660066"/>
-                          </a:solidFill>
-                          <a:latin typeface="Cambria Math" panose="02040503050406030204" pitchFamily="18" charset="0"/>
-                        </a:rPr>
-                        <m:t>+</m:t>
-                      </m:r>
-                      <m:sSub>
-                        <m:sSubPr>
-                          <m:ctrlPr>
-                            <a:rPr lang="en-US" sz="1800" b="0" i="1" dirty="0" smtClean="0">
-                              <a:solidFill>
-                                <a:srgbClr val="660066"/>
-                              </a:solidFill>
-                              <a:latin typeface="Cambria Math" panose="02040503050406030204" pitchFamily="18" charset="0"/>
-                            </a:rPr>
-                          </m:ctrlPr>
-                        </m:sSubPr>
-                        <m:e>
-                          <m:r>
-                            <a:rPr lang="en-US" sz="1800" b="0" i="1" dirty="0" smtClean="0">
-                              <a:solidFill>
-                                <a:srgbClr val="660066"/>
-                              </a:solidFill>
-                              <a:latin typeface="Cambria Math" panose="02040503050406030204" pitchFamily="18" charset="0"/>
-                            </a:rPr>
-                            <m:t>𝛽</m:t>
-                          </m:r>
-                        </m:e>
-                        <m:sub>
-                          <m:r>
-                            <a:rPr lang="en-US" sz="1800" b="0" i="1" dirty="0" smtClean="0">
-                              <a:solidFill>
-                                <a:srgbClr val="660066"/>
-                              </a:solidFill>
-                              <a:latin typeface="Cambria Math" panose="02040503050406030204" pitchFamily="18" charset="0"/>
-                            </a:rPr>
-                            <m:t>2</m:t>
-                          </m:r>
-                        </m:sub>
-                      </m:sSub>
-                      <m:d>
-                        <m:dPr>
-                          <m:ctrlPr>
-                            <a:rPr lang="en-US" sz="1800" b="0" i="1" dirty="0" smtClean="0">
-                              <a:solidFill>
-                                <a:srgbClr val="660066"/>
-                              </a:solidFill>
-                              <a:latin typeface="Cambria Math" panose="02040503050406030204" pitchFamily="18" charset="0"/>
-                            </a:rPr>
-                          </m:ctrlPr>
-                        </m:dPr>
-                        <m:e>
-                          <m:r>
-                            <a:rPr lang="en-US" sz="1800" b="0" i="1" dirty="0" smtClean="0">
-                              <a:solidFill>
-                                <a:srgbClr val="660066"/>
-                              </a:solidFill>
-                              <a:latin typeface="Cambria Math" panose="02040503050406030204" pitchFamily="18" charset="0"/>
-                            </a:rPr>
-                            <m:t>𝐺𝑟𝑎𝑑𝑒</m:t>
-                          </m:r>
-                          <m:r>
-                            <a:rPr lang="en-US" sz="1800" b="0" i="1" dirty="0" smtClean="0">
-                              <a:solidFill>
-                                <a:srgbClr val="660066"/>
-                              </a:solidFill>
-                              <a:latin typeface="Cambria Math" panose="02040503050406030204" pitchFamily="18" charset="0"/>
-                            </a:rPr>
-                            <m:t> </m:t>
-                          </m:r>
-                          <m:r>
-                            <a:rPr lang="en-US" sz="1800" b="0" i="1" dirty="0" smtClean="0">
-                              <a:solidFill>
-                                <a:srgbClr val="660066"/>
-                              </a:solidFill>
-                              <a:latin typeface="Cambria Math" panose="02040503050406030204" pitchFamily="18" charset="0"/>
-                            </a:rPr>
-                            <m:t>𝑜𝑛</m:t>
-                          </m:r>
-                          <m:r>
-                            <a:rPr lang="en-US" sz="1800" b="0" i="1" dirty="0" smtClean="0">
-                              <a:solidFill>
-                                <a:srgbClr val="660066"/>
-                              </a:solidFill>
-                              <a:latin typeface="Cambria Math" panose="02040503050406030204" pitchFamily="18" charset="0"/>
-                            </a:rPr>
-                            <m:t> </m:t>
-                          </m:r>
-                          <m:r>
-                            <a:rPr lang="en-US" sz="1800" b="0" i="1" dirty="0" smtClean="0">
-                              <a:solidFill>
-                                <a:srgbClr val="660066"/>
-                              </a:solidFill>
-                              <a:latin typeface="Cambria Math" panose="02040503050406030204" pitchFamily="18" charset="0"/>
-                            </a:rPr>
-                            <m:t>𝑀</m:t>
-                          </m:r>
-                          <m:r>
-                            <a:rPr lang="en-US" sz="1800" b="0" i="1" dirty="0" smtClean="0">
-                              <a:solidFill>
-                                <a:srgbClr val="660066"/>
-                              </a:solidFill>
-                              <a:latin typeface="Cambria Math" panose="02040503050406030204" pitchFamily="18" charset="0"/>
-                            </a:rPr>
-                            <m:t>2</m:t>
-                          </m:r>
-                        </m:e>
-                      </m:d>
-                      <m:r>
-                        <a:rPr lang="en-US" sz="1800" b="0" i="1" dirty="0" smtClean="0">
-                          <a:solidFill>
-                            <a:srgbClr val="660066"/>
-                          </a:solidFill>
-                          <a:latin typeface="Cambria Math" panose="02040503050406030204" pitchFamily="18" charset="0"/>
-                        </a:rPr>
-                        <m:t>+</m:t>
-                      </m:r>
-                      <m:sSub>
-                        <m:sSubPr>
-                          <m:ctrlPr>
-                            <a:rPr lang="en-US" sz="1800" b="0" i="1" dirty="0" smtClean="0">
-                              <a:solidFill>
-                                <a:srgbClr val="660066"/>
-                              </a:solidFill>
-                              <a:latin typeface="Cambria Math" panose="02040503050406030204" pitchFamily="18" charset="0"/>
-                            </a:rPr>
-                          </m:ctrlPr>
-                        </m:sSubPr>
-                        <m:e>
-                          <m:r>
-                            <a:rPr lang="en-US" sz="1800" b="0" i="1" dirty="0" smtClean="0">
-                              <a:solidFill>
-                                <a:srgbClr val="660066"/>
-                              </a:solidFill>
-                              <a:latin typeface="Cambria Math" panose="02040503050406030204" pitchFamily="18" charset="0"/>
-                            </a:rPr>
-                            <m:t>𝛽</m:t>
-                          </m:r>
-                        </m:e>
-                        <m:sub>
-                          <m:r>
-                            <a:rPr lang="en-US" sz="1800" b="0" i="1" dirty="0" smtClean="0">
-                              <a:solidFill>
-                                <a:srgbClr val="660066"/>
-                              </a:solidFill>
-                              <a:latin typeface="Cambria Math" panose="02040503050406030204" pitchFamily="18" charset="0"/>
-                            </a:rPr>
-                            <m:t>3</m:t>
-                          </m:r>
-                        </m:sub>
-                      </m:sSub>
-                      <m:d>
-                        <m:dPr>
-                          <m:ctrlPr>
-                            <a:rPr lang="en-US" sz="1800" b="0" i="1" dirty="0" smtClean="0">
-                              <a:solidFill>
-                                <a:srgbClr val="660066"/>
-                              </a:solidFill>
-                              <a:latin typeface="Cambria Math" panose="02040503050406030204" pitchFamily="18" charset="0"/>
-                            </a:rPr>
-                          </m:ctrlPr>
-                        </m:dPr>
-                        <m:e>
-                          <m:r>
-                            <a:rPr lang="en-US" sz="1800" b="0" i="1" dirty="0" smtClean="0">
-                              <a:solidFill>
-                                <a:srgbClr val="660066"/>
-                              </a:solidFill>
-                              <a:latin typeface="Cambria Math" panose="02040503050406030204" pitchFamily="18" charset="0"/>
-                            </a:rPr>
-                            <m:t>𝐴𝑣𝑒𝑟𝑎𝑔𝑒</m:t>
-                          </m:r>
-                          <m:r>
-                            <a:rPr lang="en-US" sz="1800" b="0" i="1" dirty="0" smtClean="0">
-                              <a:solidFill>
-                                <a:srgbClr val="660066"/>
-                              </a:solidFill>
-                              <a:latin typeface="Cambria Math" panose="02040503050406030204" pitchFamily="18" charset="0"/>
-                            </a:rPr>
-                            <m:t> </m:t>
-                          </m:r>
-                          <m:r>
-                            <a:rPr lang="en-US" sz="1800" b="0" i="1" dirty="0" smtClean="0">
-                              <a:solidFill>
-                                <a:srgbClr val="660066"/>
-                              </a:solidFill>
-                              <a:latin typeface="Cambria Math" panose="02040503050406030204" pitchFamily="18" charset="0"/>
-                            </a:rPr>
-                            <m:t>𝑀</m:t>
-                          </m:r>
-                          <m:r>
-                            <a:rPr lang="en-US" sz="1800" b="0" i="1" dirty="0" smtClean="0">
-                              <a:solidFill>
-                                <a:srgbClr val="660066"/>
-                              </a:solidFill>
-                              <a:latin typeface="Cambria Math" panose="02040503050406030204" pitchFamily="18" charset="0"/>
-                            </a:rPr>
-                            <m:t> </m:t>
-                          </m:r>
-                          <m:r>
-                            <a:rPr lang="en-US" sz="1800" b="0" i="1" dirty="0" smtClean="0">
-                              <a:solidFill>
-                                <a:srgbClr val="660066"/>
-                              </a:solidFill>
-                              <a:latin typeface="Cambria Math" panose="02040503050406030204" pitchFamily="18" charset="0"/>
-                            </a:rPr>
-                            <m:t>𝐺𝑟𝑎𝑑𝑒</m:t>
-                          </m:r>
-                        </m:e>
-                      </m:d>
-                      <m:r>
-                        <a:rPr lang="en-US" sz="1800" b="0" i="1" dirty="0" smtClean="0">
-                          <a:solidFill>
-                            <a:srgbClr val="660066"/>
-                          </a:solidFill>
-                          <a:latin typeface="Cambria Math" panose="02040503050406030204" pitchFamily="18" charset="0"/>
-                        </a:rPr>
-                        <m:t>+</m:t>
-                      </m:r>
-                      <m:r>
-                        <a:rPr lang="en-US" sz="1800" b="0" i="1" dirty="0" smtClean="0">
-                          <a:solidFill>
-                            <a:srgbClr val="660066"/>
-                          </a:solidFill>
-                          <a:latin typeface="Cambria Math" panose="02040503050406030204" pitchFamily="18" charset="0"/>
-                        </a:rPr>
-                        <m:t>𝜖</m:t>
-                      </m:r>
-                    </m:oMath>
-                  </m:oMathPara>
-                </a14:m>
-                <a:endParaRPr lang="en-US" dirty="0"/>
-              </a:p>
-            </p:txBody>
-          </p:sp>
-        </mc:Choice>
-        <mc:Fallback xmlns="">
-          <p:sp>
-            <p:nvSpPr>
-              <p:cNvPr id="3" name="TextBox 2">
-                <a:extLst>
-                  <a:ext uri="{FF2B5EF4-FFF2-40B4-BE49-F238E27FC236}">
-                    <a16:creationId xmlns:a16="http://schemas.microsoft.com/office/drawing/2014/main" id="{7082A025-324B-6A0C-A132-CE794B5F5EEC}"/>
-                  </a:ext>
-                </a:extLst>
-              </p:cNvPr>
-              <p:cNvSpPr txBox="1">
-                <a:spLocks noRot="1" noChangeAspect="1" noMove="1" noResize="1" noEditPoints="1" noAdjustHandles="1" noChangeArrowheads="1" noChangeShapeType="1" noTextEdit="1"/>
-              </p:cNvSpPr>
-              <p:nvPr/>
-            </p:nvSpPr>
-            <p:spPr>
-              <a:xfrm>
-                <a:off x="2133600" y="5711291"/>
-                <a:ext cx="9144000" cy="384144"/>
-              </a:xfrm>
-              <a:prstGeom prst="rect">
-                <a:avLst/>
-              </a:prstGeom>
-              <a:blipFill>
-                <a:blip r:embed="rId3"/>
-                <a:stretch>
-                  <a:fillRect t="-1587" b="-12698"/>
-                </a:stretch>
-              </a:blipFill>
-            </p:spPr>
-            <p:txBody>
-              <a:bodyPr/>
-              <a:lstStyle/>
-              <a:p>
-                <a:r>
-                  <a:rPr lang="en-US">
-                    <a:noFill/>
-                  </a:rPr>
-                  <a:t> </a:t>
-                </a:r>
-              </a:p>
-            </p:txBody>
-          </p:sp>
-        </mc:Fallback>
-      </mc:AlternateContent>
     </p:spTree>
     <p:extLst>
       <p:ext uri="{BB962C8B-B14F-4D97-AF65-F5344CB8AC3E}">
-        <p14:creationId xmlns:p14="http://schemas.microsoft.com/office/powerpoint/2010/main" val="1088441779"/>
+        <p14:creationId xmlns:p14="http://schemas.microsoft.com/office/powerpoint/2010/main" val="2309289949"/>
       </p:ext>
     </p:extLst>
   </p:cSld>
@@ -7132,7 +6709,7 @@
                 <a:latin typeface="Adobe Devanagari" panose="02040503050201020203" pitchFamily="18" charset="0"/>
                 <a:cs typeface="Adobe Devanagari" panose="02040503050201020203" pitchFamily="18" charset="0"/>
               </a:rPr>
-              <a:t>Detecting Multicollinearity</a:t>
+              <a:t>Example: Predicting Body Fat</a:t>
             </a:r>
             <a:endParaRPr lang="en-US" sz="4800" dirty="0">
               <a:solidFill>
@@ -7201,7 +6778,15 @@
                   <a:srgbClr val="660066"/>
                 </a:solidFill>
               </a:rPr>
-              <a:t>Fit Linear Regressions Where Each Predictor Acts as a Response Variable</a:t>
+              <a:t>Question: </a:t>
+            </a:r>
+            <a:r>
+              <a:rPr lang="en-US" sz="2800" i="1" dirty="0">
+                <a:solidFill>
+                  <a:srgbClr val="660066"/>
+                </a:solidFill>
+              </a:rPr>
+              <a:t>Can we predict the body fat percentage of an individual using the age of the individual and other body measurements? </a:t>
             </a:r>
           </a:p>
           <a:p>
@@ -7209,7 +6794,7 @@
               <a:buFont typeface="Arial" panose="020B0604020202020204" pitchFamily="34" charset="0"/>
               <a:buChar char="•"/>
             </a:pPr>
-            <a:endParaRPr lang="en-US" sz="2800" dirty="0">
+            <a:endParaRPr lang="en-US" sz="2800" i="1" dirty="0">
               <a:solidFill>
                 <a:srgbClr val="660066"/>
               </a:solidFill>
@@ -7226,52 +6811,85 @@
                   <a:srgbClr val="660066"/>
                 </a:solidFill>
               </a:rPr>
-              <a:t>Estimate R-Squared for Each of These Linear Regressions</a:t>
-            </a:r>
-          </a:p>
-          <a:p>
-            <a:pPr marL="457200" indent="-457200">
+              <a:t>List of Potential Predictor Variables in Dataset</a:t>
+            </a:r>
+          </a:p>
+          <a:p>
+            <a:pPr marL="914400" lvl="1" indent="-457200">
               <a:buFont typeface="Arial" panose="020B0604020202020204" pitchFamily="34" charset="0"/>
               <a:buChar char="•"/>
             </a:pPr>
-            <a:endParaRPr lang="en-US" sz="2800" dirty="0">
-              <a:solidFill>
-                <a:srgbClr val="660066"/>
-              </a:solidFill>
-            </a:endParaRPr>
-          </a:p>
-          <a:p>
-            <a:pPr marL="457200" indent="-457200">
+            <a:r>
+              <a:rPr lang="en-US" sz="2800" dirty="0">
+                <a:solidFill>
+                  <a:srgbClr val="660066"/>
+                </a:solidFill>
+              </a:rPr>
+              <a:t>Age (</a:t>
+            </a:r>
+            <a:r>
+              <a:rPr lang="en-US" sz="2800" dirty="0" err="1">
+                <a:solidFill>
+                  <a:srgbClr val="660066"/>
+                </a:solidFill>
+              </a:rPr>
+              <a:t>yrs</a:t>
+            </a:r>
+            <a:r>
+              <a:rPr lang="en-US" sz="2800" dirty="0">
+                <a:solidFill>
+                  <a:srgbClr val="660066"/>
+                </a:solidFill>
+              </a:rPr>
+              <a:t>)</a:t>
+            </a:r>
+          </a:p>
+          <a:p>
+            <a:pPr marL="914400" lvl="1" indent="-457200">
               <a:buFont typeface="Arial" panose="020B0604020202020204" pitchFamily="34" charset="0"/>
               <a:buChar char="•"/>
             </a:pPr>
             <a:r>
-              <a:rPr lang="en-US" sz="2800" b="1" dirty="0">
-                <a:solidFill>
-                  <a:srgbClr val="660066"/>
-                </a:solidFill>
-              </a:rPr>
-              <a:t>Variance Inflation Factor:</a:t>
-            </a:r>
-            <a:endParaRPr lang="en-US" sz="2800" dirty="0">
-              <a:solidFill>
-                <a:srgbClr val="660066"/>
-              </a:solidFill>
-            </a:endParaRPr>
-          </a:p>
-          <a:p>
-            <a:pPr marL="457200" indent="-457200">
+              <a:rPr lang="en-US" sz="2800" dirty="0">
+                <a:solidFill>
+                  <a:srgbClr val="660066"/>
+                </a:solidFill>
+              </a:rPr>
+              <a:t>Weight (</a:t>
+            </a:r>
+            <a:r>
+              <a:rPr lang="en-US" sz="2800" dirty="0" err="1">
+                <a:solidFill>
+                  <a:srgbClr val="660066"/>
+                </a:solidFill>
+              </a:rPr>
+              <a:t>lbs</a:t>
+            </a:r>
+            <a:r>
+              <a:rPr lang="en-US" sz="2800" dirty="0">
+                <a:solidFill>
+                  <a:srgbClr val="660066"/>
+                </a:solidFill>
+              </a:rPr>
+              <a:t>)</a:t>
+            </a:r>
+          </a:p>
+          <a:p>
+            <a:pPr marL="914400" lvl="1" indent="-457200">
               <a:buFont typeface="Arial" panose="020B0604020202020204" pitchFamily="34" charset="0"/>
               <a:buChar char="•"/>
             </a:pPr>
-            <a:endParaRPr lang="en-US" sz="2800" dirty="0">
-              <a:solidFill>
-                <a:srgbClr val="660066"/>
-              </a:solidFill>
-            </a:endParaRPr>
-          </a:p>
-          <a:p>
-            <a:pPr marL="457200" indent="-457200">
+            <a:r>
+              <a:rPr lang="en-US" sz="2800" dirty="0">
+                <a:solidFill>
+                  <a:srgbClr val="660066"/>
+                </a:solidFill>
+              </a:rPr>
+              <a:t>Height (in)</a:t>
+            </a:r>
+          </a:p>
+          <a:p>
+            <a:pPr marL="914400" lvl="1" indent="-457200">
               <a:buFont typeface="Arial" panose="020B0604020202020204" pitchFamily="34" charset="0"/>
               <a:buChar char="•"/>
             </a:pPr>
@@ -7281,245 +6899,15 @@
                   <a:srgbClr val="660066"/>
                 </a:solidFill>
               </a:rPr>
-              <a:t>Rule of Thumb: Bad VIF is Greater Than 5 (R-Squared &gt; 0.8)</a:t>
+              <a:t>Circumference of Neck, Chest, Abdomen, Ankle, Biceps, Wrist (cm)</a:t>
             </a:r>
           </a:p>
         </p:txBody>
       </p:sp>
-      <mc:AlternateContent xmlns:mc="http://schemas.openxmlformats.org/markup-compatibility/2006" xmlns:a14="http://schemas.microsoft.com/office/drawing/2010/main">
-        <mc:Choice Requires="a14">
-          <p:sp>
-            <p:nvSpPr>
-              <p:cNvPr id="4" name="TextBox 3">
-                <a:extLst>
-                  <a:ext uri="{FF2B5EF4-FFF2-40B4-BE49-F238E27FC236}">
-                    <a16:creationId xmlns:a16="http://schemas.microsoft.com/office/drawing/2014/main" id="{23F8FD50-678D-B3EE-11F9-539053392B45}"/>
-                  </a:ext>
-                </a:extLst>
-              </p:cNvPr>
-              <p:cNvSpPr txBox="1"/>
-              <p:nvPr/>
-            </p:nvSpPr>
-            <p:spPr>
-              <a:xfrm>
-                <a:off x="1752600" y="4094686"/>
-                <a:ext cx="9144000" cy="1015150"/>
-              </a:xfrm>
-              <a:prstGeom prst="rect">
-                <a:avLst/>
-              </a:prstGeom>
-              <a:noFill/>
-            </p:spPr>
-            <p:txBody>
-              <a:bodyPr wrap="square" rtlCol="0">
-                <a:spAutoFit/>
-              </a:bodyPr>
-              <a:lstStyle/>
-              <a:p>
-                <a:pPr/>
-                <a14:m>
-                  <m:oMathPara xmlns:m="http://schemas.openxmlformats.org/officeDocument/2006/math">
-                    <m:oMathParaPr>
-                      <m:jc m:val="centerGroup"/>
-                    </m:oMathParaPr>
-                    <m:oMath xmlns:m="http://schemas.openxmlformats.org/officeDocument/2006/math">
-                      <m:r>
-                        <a:rPr lang="en-US" sz="2800" i="1" smtClean="0">
-                          <a:solidFill>
-                            <a:srgbClr val="660066"/>
-                          </a:solidFill>
-                          <a:latin typeface="Cambria Math" panose="02040503050406030204" pitchFamily="18" charset="0"/>
-                        </a:rPr>
-                        <m:t>𝑉</m:t>
-                      </m:r>
-                      <m:r>
-                        <a:rPr lang="en-US" sz="2800" b="0" i="1" smtClean="0">
-                          <a:solidFill>
-                            <a:srgbClr val="660066"/>
-                          </a:solidFill>
-                          <a:latin typeface="Cambria Math" panose="02040503050406030204" pitchFamily="18" charset="0"/>
-                        </a:rPr>
-                        <m:t>𝐼</m:t>
-                      </m:r>
-                      <m:sSub>
-                        <m:sSubPr>
-                          <m:ctrlPr>
-                            <a:rPr lang="en-US" sz="2800" b="0" i="1" smtClean="0">
-                              <a:solidFill>
-                                <a:srgbClr val="660066"/>
-                              </a:solidFill>
-                              <a:latin typeface="Cambria Math" panose="02040503050406030204" pitchFamily="18" charset="0"/>
-                            </a:rPr>
-                          </m:ctrlPr>
-                        </m:sSubPr>
-                        <m:e>
-                          <m:r>
-                            <a:rPr lang="en-US" sz="2800" b="0" i="1" smtClean="0">
-                              <a:solidFill>
-                                <a:srgbClr val="660066"/>
-                              </a:solidFill>
-                              <a:latin typeface="Cambria Math" panose="02040503050406030204" pitchFamily="18" charset="0"/>
-                            </a:rPr>
-                            <m:t>𝐹</m:t>
-                          </m:r>
-                        </m:e>
-                        <m:sub>
-                          <m:r>
-                            <a:rPr lang="en-US" sz="2800" b="0" i="1" smtClean="0">
-                              <a:solidFill>
-                                <a:srgbClr val="660066"/>
-                              </a:solidFill>
-                              <a:latin typeface="Cambria Math" panose="02040503050406030204" pitchFamily="18" charset="0"/>
-                            </a:rPr>
-                            <m:t>𝑖</m:t>
-                          </m:r>
-                        </m:sub>
-                      </m:sSub>
-                      <m:r>
-                        <a:rPr lang="en-US" sz="2800" b="0" i="1" smtClean="0">
-                          <a:solidFill>
-                            <a:srgbClr val="660066"/>
-                          </a:solidFill>
-                          <a:latin typeface="Cambria Math" panose="02040503050406030204" pitchFamily="18" charset="0"/>
-                        </a:rPr>
-                        <m:t>=</m:t>
-                      </m:r>
-                      <m:f>
-                        <m:fPr>
-                          <m:ctrlPr>
-                            <a:rPr lang="en-US" sz="2800" b="0" i="1" smtClean="0">
-                              <a:solidFill>
-                                <a:srgbClr val="660066"/>
-                              </a:solidFill>
-                              <a:latin typeface="Cambria Math" panose="02040503050406030204" pitchFamily="18" charset="0"/>
-                            </a:rPr>
-                          </m:ctrlPr>
-                        </m:fPr>
-                        <m:num>
-                          <m:r>
-                            <a:rPr lang="en-US" sz="2800" b="0" i="1" smtClean="0">
-                              <a:solidFill>
-                                <a:srgbClr val="660066"/>
-                              </a:solidFill>
-                              <a:latin typeface="Cambria Math" panose="02040503050406030204" pitchFamily="18" charset="0"/>
-                            </a:rPr>
-                            <m:t>1</m:t>
-                          </m:r>
-                        </m:num>
-                        <m:den>
-                          <m:r>
-                            <a:rPr lang="en-US" sz="2800" b="0" i="1" smtClean="0">
-                              <a:solidFill>
-                                <a:srgbClr val="660066"/>
-                              </a:solidFill>
-                              <a:latin typeface="Cambria Math" panose="02040503050406030204" pitchFamily="18" charset="0"/>
-                            </a:rPr>
-                            <m:t>1−</m:t>
-                          </m:r>
-                          <m:sSubSup>
-                            <m:sSubSupPr>
-                              <m:ctrlPr>
-                                <a:rPr lang="en-US" sz="2800" b="0" i="1" smtClean="0">
-                                  <a:solidFill>
-                                    <a:srgbClr val="660066"/>
-                                  </a:solidFill>
-                                  <a:latin typeface="Cambria Math" panose="02040503050406030204" pitchFamily="18" charset="0"/>
-                                </a:rPr>
-                              </m:ctrlPr>
-                            </m:sSubSupPr>
-                            <m:e>
-                              <m:r>
-                                <a:rPr lang="en-US" sz="2800" b="0" i="1" smtClean="0">
-                                  <a:solidFill>
-                                    <a:srgbClr val="660066"/>
-                                  </a:solidFill>
-                                  <a:latin typeface="Cambria Math" panose="02040503050406030204" pitchFamily="18" charset="0"/>
-                                </a:rPr>
-                                <m:t>𝑅</m:t>
-                              </m:r>
-                            </m:e>
-                            <m:sub>
-                              <m:r>
-                                <a:rPr lang="en-US" sz="2800" b="0" i="1" smtClean="0">
-                                  <a:solidFill>
-                                    <a:srgbClr val="660066"/>
-                                  </a:solidFill>
-                                  <a:latin typeface="Cambria Math" panose="02040503050406030204" pitchFamily="18" charset="0"/>
-                                </a:rPr>
-                                <m:t>𝑖</m:t>
-                              </m:r>
-                            </m:sub>
-                            <m:sup>
-                              <m:r>
-                                <a:rPr lang="en-US" sz="2800" b="0" i="1" smtClean="0">
-                                  <a:solidFill>
-                                    <a:srgbClr val="660066"/>
-                                  </a:solidFill>
-                                  <a:latin typeface="Cambria Math" panose="02040503050406030204" pitchFamily="18" charset="0"/>
-                                </a:rPr>
-                                <m:t>2</m:t>
-                              </m:r>
-                            </m:sup>
-                          </m:sSubSup>
-                        </m:den>
-                      </m:f>
-                    </m:oMath>
-                  </m:oMathPara>
-                </a14:m>
-                <a:endParaRPr lang="en-US" sz="2800" dirty="0"/>
-              </a:p>
-            </p:txBody>
-          </p:sp>
-        </mc:Choice>
-        <mc:Fallback xmlns="">
-          <p:sp>
-            <p:nvSpPr>
-              <p:cNvPr id="4" name="TextBox 3">
-                <a:extLst>
-                  <a:ext uri="{FF2B5EF4-FFF2-40B4-BE49-F238E27FC236}">
-                    <a16:creationId xmlns:a16="http://schemas.microsoft.com/office/drawing/2014/main" id="{23F8FD50-678D-B3EE-11F9-539053392B45}"/>
-                  </a:ext>
-                </a:extLst>
-              </p:cNvPr>
-              <p:cNvSpPr txBox="1">
-                <a:spLocks noRot="1" noChangeAspect="1" noMove="1" noResize="1" noEditPoints="1" noAdjustHandles="1" noChangeArrowheads="1" noChangeShapeType="1" noTextEdit="1"/>
-              </p:cNvSpPr>
-              <p:nvPr/>
-            </p:nvSpPr>
-            <p:spPr>
-              <a:xfrm>
-                <a:off x="1752600" y="4094686"/>
-                <a:ext cx="9144000" cy="1015150"/>
-              </a:xfrm>
-              <a:prstGeom prst="rect">
-                <a:avLst/>
-              </a:prstGeom>
-              <a:blipFill>
-                <a:blip r:embed="rId3"/>
-                <a:stretch>
-                  <a:fillRect/>
-                </a:stretch>
-              </a:blipFill>
-            </p:spPr>
-            <p:txBody>
-              <a:bodyPr/>
-              <a:lstStyle/>
-              <a:p>
-                <a:r>
-                  <a:rPr lang="en-US">
-                    <a:noFill/>
-                  </a:rPr>
-                  <a:t> </a:t>
-                </a:r>
-              </a:p>
-            </p:txBody>
-          </p:sp>
-        </mc:Fallback>
-      </mc:AlternateContent>
     </p:spTree>
     <p:extLst>
       <p:ext uri="{BB962C8B-B14F-4D97-AF65-F5344CB8AC3E}">
-        <p14:creationId xmlns:p14="http://schemas.microsoft.com/office/powerpoint/2010/main" val="2200728407"/>
+        <p14:creationId xmlns:p14="http://schemas.microsoft.com/office/powerpoint/2010/main" val="3366681617"/>
       </p:ext>
     </p:extLst>
   </p:cSld>
@@ -7695,7 +7083,7 @@
                 <a:latin typeface="Adobe Devanagari" panose="02040503050201020203" pitchFamily="18" charset="0"/>
                 <a:cs typeface="Adobe Devanagari" panose="02040503050201020203" pitchFamily="18" charset="0"/>
               </a:rPr>
-              <a:t>Handling Multicollinearity</a:t>
+              <a:t>Supplement for Lecture 16</a:t>
             </a:r>
             <a:endParaRPr lang="en-US" sz="4800" dirty="0">
               <a:solidFill>
@@ -7720,7 +7108,7 @@
         <p:spPr>
           <a:xfrm>
             <a:off x="457200" y="1981200"/>
-            <a:ext cx="11201400" cy="4869418"/>
+            <a:ext cx="11201400" cy="2962513"/>
           </a:xfrm>
           <a:prstGeom prst="roundRect">
             <a:avLst/>
@@ -7764,7 +7152,56 @@
                   <a:srgbClr val="660066"/>
                 </a:solidFill>
               </a:rPr>
-              <a:t>Option 1: Drop Some Predictors</a:t>
+              <a:t>Examine Multicollinearity and Look at VIF</a:t>
+            </a:r>
+          </a:p>
+          <a:p>
+            <a:pPr marL="457200" indent="-457200">
+              <a:buFont typeface="Arial" panose="020B0604020202020204" pitchFamily="34" charset="0"/>
+              <a:buChar char="•"/>
+            </a:pPr>
+            <a:endParaRPr lang="en-US" sz="2800" dirty="0">
+              <a:solidFill>
+                <a:srgbClr val="660066"/>
+              </a:solidFill>
+            </a:endParaRPr>
+          </a:p>
+          <a:p>
+            <a:pPr marL="457200" indent="-457200">
+              <a:buFont typeface="Arial" panose="020B0604020202020204" pitchFamily="34" charset="0"/>
+              <a:buChar char="•"/>
+            </a:pPr>
+            <a:r>
+              <a:rPr lang="en-US" sz="2800" dirty="0">
+                <a:solidFill>
+                  <a:srgbClr val="660066"/>
+                </a:solidFill>
+              </a:rPr>
+              <a:t>Use </a:t>
+            </a:r>
+            <a:r>
+              <a:rPr lang="en-US" sz="2800" b="1" dirty="0" err="1">
+                <a:solidFill>
+                  <a:srgbClr val="660066"/>
+                </a:solidFill>
+              </a:rPr>
+              <a:t>regsubsets</a:t>
+            </a:r>
+            <a:r>
+              <a:rPr lang="en-US" sz="2800" b="1" dirty="0">
+                <a:solidFill>
+                  <a:srgbClr val="660066"/>
+                </a:solidFill>
+              </a:rPr>
+              <a:t>() </a:t>
+            </a:r>
+            <a:r>
+              <a:rPr lang="en-US" sz="2800" dirty="0">
+                <a:solidFill>
+                  <a:srgbClr val="660066"/>
+                </a:solidFill>
+              </a:rPr>
+              <a:t>to Fit All Possible Models</a:t>
             </a:r>
           </a:p>
           <a:p>
@@ -7778,21 +7215,7 @@
                   <a:srgbClr val="660066"/>
                 </a:solidFill>
               </a:rPr>
-              <a:t>Check to See if R-Squared Drops Drastically</a:t>
-            </a:r>
-          </a:p>
-          <a:p>
-            <a:pPr marL="914400" lvl="1" indent="-457200">
-              <a:buFont typeface="Arial" panose="020B0604020202020204" pitchFamily="34" charset="0"/>
-              <a:buChar char="•"/>
-            </a:pPr>
-            <a:r>
-              <a:rPr lang="en-US" sz="2800" dirty="0">
-                <a:solidFill>
-                  <a:srgbClr val="660066"/>
-                </a:solidFill>
-              </a:rPr>
-              <a:t>Examine Effect on Residuals and Model Assumptions</a:t>
+              <a:t>Look at R-Squared, Adjusted R-Squared, Mallow’s Cp, and BIC</a:t>
             </a:r>
           </a:p>
           <a:p>
@@ -7817,71 +7240,7 @@
                   <a:srgbClr val="660066"/>
                 </a:solidFill>
               </a:rPr>
-              <a:t>Option 2: Combine Some of the Predictors</a:t>
-            </a:r>
-          </a:p>
-          <a:p>
-            <a:pPr marL="914400" lvl="1" indent="-457200">
-              <a:buFont typeface="Arial" panose="020B0604020202020204" pitchFamily="34" charset="0"/>
-              <a:buChar char="•"/>
-            </a:pPr>
-            <a:r>
-              <a:rPr lang="en-US" sz="2800" dirty="0">
-                <a:solidFill>
-                  <a:srgbClr val="660066"/>
-                </a:solidFill>
-              </a:rPr>
-              <a:t>Average or Sum of Groups of Predictors (Example: Survey)</a:t>
-            </a:r>
-          </a:p>
-          <a:p>
-            <a:pPr marL="914400" lvl="1" indent="-457200">
-              <a:buFont typeface="Arial" panose="020B0604020202020204" pitchFamily="34" charset="0"/>
-              <a:buChar char="•"/>
-            </a:pPr>
-            <a:endParaRPr lang="en-US" sz="2800" dirty="0">
-              <a:solidFill>
-                <a:srgbClr val="660066"/>
-              </a:solidFill>
-            </a:endParaRPr>
-          </a:p>
-          <a:p>
-            <a:pPr marL="457200" indent="-457200">
-              <a:buFont typeface="Arial" panose="020B0604020202020204" pitchFamily="34" charset="0"/>
-              <a:buChar char="•"/>
-            </a:pPr>
-            <a:r>
-              <a:rPr lang="en-US" sz="2800" dirty="0">
-                <a:solidFill>
-                  <a:srgbClr val="660066"/>
-                </a:solidFill>
-              </a:rPr>
-              <a:t>Option 3: Interpret Coefficients and t-Tests with Caution</a:t>
-            </a:r>
-          </a:p>
-          <a:p>
-            <a:pPr marL="457200" indent="-457200">
-              <a:buFont typeface="Arial" panose="020B0604020202020204" pitchFamily="34" charset="0"/>
-              <a:buChar char="•"/>
-            </a:pPr>
-            <a:endParaRPr lang="en-US" sz="2800" dirty="0">
-              <a:solidFill>
-                <a:srgbClr val="660066"/>
-              </a:solidFill>
-            </a:endParaRPr>
-          </a:p>
-          <a:p>
-            <a:pPr marL="457200" indent="-457200">
-              <a:buFont typeface="Arial" panose="020B0604020202020204" pitchFamily="34" charset="0"/>
-              <a:buChar char="•"/>
-            </a:pPr>
-            <a:r>
-              <a:rPr lang="en-US" sz="2800" dirty="0">
-                <a:solidFill>
-                  <a:srgbClr val="660066"/>
-                </a:solidFill>
-              </a:rPr>
-              <a:t>Option 4: Use Stepwise Algorithms (4.2) or Cross-Validation (4.3)</a:t>
+              <a:t>Backwards, Forwards, and Stepwise Algorithms for Selecting Variables</a:t>
             </a:r>
           </a:p>
         </p:txBody>
@@ -7889,7 +7248,7 @@
     </p:spTree>
     <p:extLst>
       <p:ext uri="{BB962C8B-B14F-4D97-AF65-F5344CB8AC3E}">
-        <p14:creationId xmlns:p14="http://schemas.microsoft.com/office/powerpoint/2010/main" val="1723172631"/>
+        <p14:creationId xmlns:p14="http://schemas.microsoft.com/office/powerpoint/2010/main" val="1969907453"/>
       </p:ext>
     </p:extLst>
   </p:cSld>
@@ -12676,7 +12035,7 @@
                 <a:latin typeface="Adobe Devanagari" panose="02040503050201020203" pitchFamily="18" charset="0"/>
                 <a:cs typeface="Adobe Devanagari" panose="02040503050201020203" pitchFamily="18" charset="0"/>
               </a:rPr>
-              <a:t>Example: Predicting Price of Home</a:t>
+              <a:t>Best Subsets</a:t>
             </a:r>
             <a:endParaRPr lang="en-US" sz="4800" dirty="0">
               <a:solidFill>
@@ -12701,7 +12060,7 @@
         <p:spPr>
           <a:xfrm>
             <a:off x="457200" y="1981200"/>
-            <a:ext cx="11201400" cy="4869418"/>
+            <a:ext cx="11201400" cy="4392692"/>
           </a:xfrm>
           <a:prstGeom prst="roundRect">
             <a:avLst/>
@@ -12735,6 +12094,49 @@
           </a:bodyPr>
           <a:lstStyle/>
           <a:p>
+            <a:pPr marL="457200" indent="-457200">
+              <a:buFont typeface="Arial" panose="020B0604020202020204" pitchFamily="34" charset="0"/>
+              <a:buChar char="•"/>
+            </a:pPr>
+            <a:r>
+              <a:rPr lang="en-US" sz="2800" dirty="0">
+                <a:solidFill>
+                  <a:srgbClr val="660066"/>
+                </a:solidFill>
+              </a:rPr>
+              <a:t>Akaike’s Information Criterion (AIC) </a:t>
+            </a:r>
+          </a:p>
+          <a:p>
+            <a:pPr marL="914400" lvl="1" indent="-457200">
+              <a:buFont typeface="Arial" panose="020B0604020202020204" pitchFamily="34" charset="0"/>
+              <a:buChar char="•"/>
+            </a:pPr>
+            <a:r>
+              <a:rPr lang="en-US" sz="2800" dirty="0">
+                <a:solidFill>
+                  <a:srgbClr val="660066"/>
+                </a:solidFill>
+              </a:rPr>
+              <a:t>Penalizes Based Off Complexity and Smaller is Better</a:t>
+            </a:r>
+          </a:p>
+          <a:p>
+            <a:pPr marL="914400" lvl="1" indent="-457200">
+              <a:buFont typeface="Arial" panose="020B0604020202020204" pitchFamily="34" charset="0"/>
+              <a:buChar char="•"/>
+            </a:pPr>
+            <a:r>
+              <a:rPr lang="en-US" sz="2800" dirty="0">
+                <a:solidFill>
+                  <a:srgbClr val="660066"/>
+                </a:solidFill>
+              </a:rPr>
+              <a:t>Formula:</a:t>
+            </a:r>
+          </a:p>
+          <a:p>
+            <a:pPr lvl="1"/>
             <a:endParaRPr lang="en-US" sz="2800" dirty="0">
               <a:solidFill>
                 <a:srgbClr val="660066"/>
@@ -12746,7 +12148,49 @@
               <a:buFont typeface="Arial" panose="020B0604020202020204" pitchFamily="34" charset="0"/>
               <a:buChar char="•"/>
             </a:pPr>
-            <a:endParaRPr lang="en-US" sz="2800" i="1" dirty="0">
+            <a:r>
+              <a:rPr lang="en-US" sz="2800" dirty="0">
+                <a:solidFill>
+                  <a:srgbClr val="660066"/>
+                </a:solidFill>
+              </a:rPr>
+              <a:t>Bayesian Information Criterion (BIC)</a:t>
+            </a:r>
+          </a:p>
+          <a:p>
+            <a:pPr marL="914400" lvl="1" indent="-457200">
+              <a:buFont typeface="Arial" panose="020B0604020202020204" pitchFamily="34" charset="0"/>
+              <a:buChar char="•"/>
+            </a:pPr>
+            <a:r>
+              <a:rPr lang="en-US" sz="2800" dirty="0">
+                <a:solidFill>
+                  <a:srgbClr val="660066"/>
+                </a:solidFill>
+              </a:rPr>
+              <a:t>Penalizes Based Off Complexity and Smaller is Better</a:t>
+            </a:r>
+          </a:p>
+          <a:p>
+            <a:pPr marL="914400" lvl="1" indent="-457200">
+              <a:buFont typeface="Arial" panose="020B0604020202020204" pitchFamily="34" charset="0"/>
+              <a:buChar char="•"/>
+            </a:pPr>
+            <a:r>
+              <a:rPr lang="en-US" sz="2800" dirty="0">
+                <a:solidFill>
+                  <a:srgbClr val="660066"/>
+                </a:solidFill>
+              </a:rPr>
+              <a:t>Formula:</a:t>
+            </a:r>
+          </a:p>
+          <a:p>
+            <a:pPr marL="914400" lvl="1" indent="-457200">
+              <a:buFont typeface="Arial" panose="020B0604020202020204" pitchFamily="34" charset="0"/>
+              <a:buChar char="•"/>
+            </a:pPr>
+            <a:endParaRPr lang="en-US" sz="2800" dirty="0">
               <a:solidFill>
                 <a:srgbClr val="660066"/>
               </a:solidFill>
@@ -12757,219 +12201,379 @@
               <a:buFont typeface="Arial" panose="020B0604020202020204" pitchFamily="34" charset="0"/>
               <a:buChar char="•"/>
             </a:pPr>
-            <a:endParaRPr lang="en-US" sz="2800" i="1" dirty="0">
+            <a:r>
+              <a:rPr lang="en-US" sz="2800" dirty="0">
+                <a:solidFill>
+                  <a:srgbClr val="660066"/>
+                </a:solidFill>
+              </a:rPr>
+              <a:t>Penalty in BIC is Larger than Penalty in AIC when </a:t>
+            </a:r>
+            <a:r>
+              <a:rPr lang="en-US" sz="2800" i="1" dirty="0">
+                <a:solidFill>
+                  <a:srgbClr val="660066"/>
+                </a:solidFill>
+              </a:rPr>
+              <a:t>n&gt;7.</a:t>
+            </a:r>
+            <a:endParaRPr lang="en-US" sz="2800" dirty="0">
               <a:solidFill>
                 <a:srgbClr val="660066"/>
               </a:solidFill>
             </a:endParaRPr>
           </a:p>
-          <a:p>
-            <a:pPr marL="457200" indent="-457200">
-              <a:buFont typeface="Arial" panose="020B0604020202020204" pitchFamily="34" charset="0"/>
-              <a:buChar char="•"/>
-            </a:pPr>
-            <a:endParaRPr lang="en-US" sz="2800" i="1" dirty="0">
-              <a:solidFill>
-                <a:srgbClr val="660066"/>
-              </a:solidFill>
-            </a:endParaRPr>
-          </a:p>
-          <a:p>
-            <a:pPr marL="457200" indent="-457200">
-              <a:buFont typeface="Arial" panose="020B0604020202020204" pitchFamily="34" charset="0"/>
-              <a:buChar char="•"/>
-            </a:pPr>
-            <a:endParaRPr lang="en-US" sz="2800" i="1" dirty="0">
-              <a:solidFill>
-                <a:srgbClr val="660066"/>
-              </a:solidFill>
-            </a:endParaRPr>
-          </a:p>
-          <a:p>
-            <a:pPr marL="457200" indent="-457200">
-              <a:buFont typeface="Arial" panose="020B0604020202020204" pitchFamily="34" charset="0"/>
-              <a:buChar char="•"/>
-            </a:pPr>
-            <a:endParaRPr lang="en-US" sz="2800" i="1" dirty="0">
-              <a:solidFill>
-                <a:srgbClr val="660066"/>
-              </a:solidFill>
-            </a:endParaRPr>
-          </a:p>
-          <a:p>
-            <a:pPr marL="457200" indent="-457200">
-              <a:buFont typeface="Arial" panose="020B0604020202020204" pitchFamily="34" charset="0"/>
-              <a:buChar char="•"/>
-            </a:pPr>
-            <a:endParaRPr lang="en-US" sz="2800" i="1" dirty="0">
-              <a:solidFill>
-                <a:srgbClr val="660066"/>
-              </a:solidFill>
-            </a:endParaRPr>
-          </a:p>
-          <a:p>
-            <a:pPr marL="457200" indent="-457200">
-              <a:buFont typeface="Arial" panose="020B0604020202020204" pitchFamily="34" charset="0"/>
-              <a:buChar char="•"/>
-            </a:pPr>
-            <a:endParaRPr lang="en-US" sz="2800" i="1" dirty="0">
-              <a:solidFill>
-                <a:srgbClr val="660066"/>
-              </a:solidFill>
-            </a:endParaRPr>
-          </a:p>
-          <a:p>
-            <a:endParaRPr lang="en-US" sz="2800" i="1" dirty="0">
-              <a:solidFill>
-                <a:srgbClr val="660066"/>
-              </a:solidFill>
-            </a:endParaRPr>
-          </a:p>
-          <a:p>
-            <a:pPr marL="457200" indent="-457200">
-              <a:buFont typeface="Arial" panose="020B0604020202020204" pitchFamily="34" charset="0"/>
-              <a:buChar char="•"/>
-            </a:pPr>
-            <a:endParaRPr lang="en-US" sz="2800" i="1" dirty="0">
-              <a:solidFill>
-                <a:srgbClr val="660066"/>
-              </a:solidFill>
-            </a:endParaRPr>
-          </a:p>
         </p:txBody>
       </p:sp>
-      <p:pic>
-        <p:nvPicPr>
-          <p:cNvPr id="4" name="Picture 3">
-            <a:extLst>
-              <a:ext uri="{FF2B5EF4-FFF2-40B4-BE49-F238E27FC236}">
-                <a16:creationId xmlns:a16="http://schemas.microsoft.com/office/drawing/2014/main" id="{7168C7D9-0F6D-D337-2CCF-A3047830AB78}"/>
-              </a:ext>
-            </a:extLst>
-          </p:cNvPr>
-          <p:cNvPicPr>
-            <a:picLocks noChangeAspect="1"/>
-          </p:cNvPicPr>
-          <p:nvPr/>
-        </p:nvPicPr>
-        <p:blipFill>
-          <a:blip r:embed="rId3"/>
-          <a:stretch>
-            <a:fillRect/>
-          </a:stretch>
-        </p:blipFill>
-        <p:spPr>
-          <a:xfrm>
-            <a:off x="1219200" y="2124607"/>
-            <a:ext cx="5924550" cy="4582604"/>
-          </a:xfrm>
-          <a:prstGeom prst="rect">
-            <a:avLst/>
-          </a:prstGeom>
-          <a:ln w="28575">
-            <a:solidFill>
-              <a:srgbClr val="660066"/>
-            </a:solidFill>
-          </a:ln>
-        </p:spPr>
-      </p:pic>
-      <p:sp>
-        <p:nvSpPr>
-          <p:cNvPr id="5" name="Arrow: Right 4">
-            <a:extLst>
-              <a:ext uri="{FF2B5EF4-FFF2-40B4-BE49-F238E27FC236}">
-                <a16:creationId xmlns:a16="http://schemas.microsoft.com/office/drawing/2014/main" id="{2C0D5E59-2500-9DFD-C0D5-A1C7FB47AEB3}"/>
-              </a:ext>
-            </a:extLst>
-          </p:cNvPr>
-          <p:cNvSpPr/>
-          <p:nvPr/>
-        </p:nvSpPr>
-        <p:spPr>
-          <a:xfrm>
-            <a:off x="7315200" y="4080497"/>
-            <a:ext cx="533400" cy="533400"/>
-          </a:xfrm>
-          <a:prstGeom prst="rightArrow">
-            <a:avLst/>
-          </a:prstGeom>
-          <a:solidFill>
-            <a:srgbClr val="FFC416"/>
-          </a:solidFill>
-          <a:ln w="28575">
-            <a:solidFill>
-              <a:srgbClr val="660066"/>
-            </a:solidFill>
-          </a:ln>
-        </p:spPr>
-        <p:style>
-          <a:lnRef idx="2">
-            <a:schemeClr val="accent1">
-              <a:shade val="15000"/>
-            </a:schemeClr>
-          </a:lnRef>
-          <a:fillRef idx="1">
-            <a:schemeClr val="accent1"/>
-          </a:fillRef>
-          <a:effectRef idx="0">
-            <a:schemeClr val="accent1"/>
-          </a:effectRef>
-          <a:fontRef idx="minor">
-            <a:schemeClr val="lt1"/>
-          </a:fontRef>
-        </p:style>
-        <p:txBody>
-          <a:bodyPr rtlCol="0" anchor="ctr"/>
-          <a:lstStyle/>
-          <a:p>
-            <a:pPr algn="ctr"/>
-            <a:endParaRPr lang="en-US"/>
-          </a:p>
-        </p:txBody>
-      </p:sp>
-      <p:sp>
-        <p:nvSpPr>
-          <p:cNvPr id="8" name="TextBox 7">
-            <a:extLst>
-              <a:ext uri="{FF2B5EF4-FFF2-40B4-BE49-F238E27FC236}">
-                <a16:creationId xmlns:a16="http://schemas.microsoft.com/office/drawing/2014/main" id="{F908A06D-74A3-D264-4279-FFE9BA4C2BDD}"/>
-              </a:ext>
-            </a:extLst>
-          </p:cNvPr>
-          <p:cNvSpPr txBox="1"/>
-          <p:nvPr/>
-        </p:nvSpPr>
-        <p:spPr>
-          <a:xfrm>
-            <a:off x="8020050" y="4070317"/>
-            <a:ext cx="3352800" cy="523220"/>
-          </a:xfrm>
-          <a:prstGeom prst="rect">
-            <a:avLst/>
-          </a:prstGeom>
-          <a:noFill/>
-        </p:spPr>
-        <p:txBody>
-          <a:bodyPr wrap="square" rtlCol="0">
-            <a:spAutoFit/>
-          </a:bodyPr>
-          <a:lstStyle/>
-          <a:p>
-            <a:r>
-              <a:rPr lang="en-US" sz="2800" dirty="0">
-                <a:solidFill>
-                  <a:srgbClr val="660066"/>
-                </a:solidFill>
-              </a:rPr>
-              <a:t>Are You Surprised?</a:t>
-            </a:r>
-          </a:p>
-        </p:txBody>
-      </p:sp>
+      <mc:AlternateContent xmlns:mc="http://schemas.openxmlformats.org/markup-compatibility/2006">
+        <mc:Choice xmlns:a14="http://schemas.microsoft.com/office/drawing/2010/main" Requires="a14">
+          <p:sp>
+            <p:nvSpPr>
+              <p:cNvPr id="3" name="TextBox 2">
+                <a:extLst>
+                  <a:ext uri="{FF2B5EF4-FFF2-40B4-BE49-F238E27FC236}">
+                    <a16:creationId xmlns:a16="http://schemas.microsoft.com/office/drawing/2014/main" id="{79479AF6-3559-FC38-E289-3F04E2AEDECF}"/>
+                  </a:ext>
+                </a:extLst>
+              </p:cNvPr>
+              <p:cNvSpPr txBox="1"/>
+              <p:nvPr/>
+            </p:nvSpPr>
+            <p:spPr>
+              <a:xfrm>
+                <a:off x="3075709" y="3314686"/>
+                <a:ext cx="5029200" cy="461665"/>
+              </a:xfrm>
+              <a:prstGeom prst="rect">
+                <a:avLst/>
+              </a:prstGeom>
+              <a:noFill/>
+            </p:spPr>
+            <p:txBody>
+              <a:bodyPr wrap="square" rtlCol="0">
+                <a:spAutoFit/>
+              </a:bodyPr>
+              <a:lstStyle/>
+              <a:p>
+                <a:pPr/>
+                <a14:m>
+                  <m:oMathPara xmlns:m="http://schemas.openxmlformats.org/officeDocument/2006/math">
+                    <m:oMathParaPr>
+                      <m:jc m:val="centerGroup"/>
+                    </m:oMathParaPr>
+                    <m:oMath xmlns:m="http://schemas.openxmlformats.org/officeDocument/2006/math">
+                      <m:r>
+                        <a:rPr lang="en-US" sz="2400" b="0" i="1" smtClean="0">
+                          <a:latin typeface="Cambria Math" panose="02040503050406030204" pitchFamily="18" charset="0"/>
+                        </a:rPr>
+                        <m:t>𝐴𝐼𝐶</m:t>
+                      </m:r>
+                      <m:r>
+                        <a:rPr lang="en-US" sz="2400" b="0" i="1" smtClean="0">
+                          <a:latin typeface="Cambria Math" panose="02040503050406030204" pitchFamily="18" charset="0"/>
+                        </a:rPr>
+                        <m:t>=−2</m:t>
+                      </m:r>
+                      <m:func>
+                        <m:funcPr>
+                          <m:ctrlPr>
+                            <a:rPr lang="en-US" sz="2400" b="0" i="1" smtClean="0">
+                              <a:latin typeface="Cambria Math" panose="02040503050406030204" pitchFamily="18" charset="0"/>
+                            </a:rPr>
+                          </m:ctrlPr>
+                        </m:funcPr>
+                        <m:fName>
+                          <m:r>
+                            <m:rPr>
+                              <m:sty m:val="p"/>
+                            </m:rPr>
+                            <a:rPr lang="en-US" sz="2400" b="0" i="0" smtClean="0">
+                              <a:latin typeface="Cambria Math" panose="02040503050406030204" pitchFamily="18" charset="0"/>
+                            </a:rPr>
+                            <m:t>log</m:t>
+                          </m:r>
+                        </m:fName>
+                        <m:e>
+                          <m:d>
+                            <m:dPr>
+                              <m:ctrlPr>
+                                <a:rPr lang="en-US" sz="2400" b="0" i="1" smtClean="0">
+                                  <a:latin typeface="Cambria Math" panose="02040503050406030204" pitchFamily="18" charset="0"/>
+                                </a:rPr>
+                              </m:ctrlPr>
+                            </m:dPr>
+                            <m:e>
+                              <m:r>
+                                <a:rPr lang="en-US" sz="2400" b="0" i="1" smtClean="0">
+                                  <a:latin typeface="Cambria Math" panose="02040503050406030204" pitchFamily="18" charset="0"/>
+                                </a:rPr>
+                                <m:t>𝐿𝑖𝑘𝑒𝑙𝑖h𝑜𝑜𝑑</m:t>
+                              </m:r>
+                            </m:e>
+                          </m:d>
+                        </m:e>
+                      </m:func>
+                      <m:r>
+                        <a:rPr lang="en-US" sz="2400" b="0" i="1" smtClean="0">
+                          <a:latin typeface="Cambria Math" panose="02040503050406030204" pitchFamily="18" charset="0"/>
+                        </a:rPr>
+                        <m:t>+2</m:t>
+                      </m:r>
+                      <m:r>
+                        <a:rPr lang="en-US" sz="2400" b="0" i="1" smtClean="0">
+                          <a:latin typeface="Cambria Math" panose="02040503050406030204" pitchFamily="18" charset="0"/>
+                        </a:rPr>
+                        <m:t>𝑘</m:t>
+                      </m:r>
+                    </m:oMath>
+                  </m:oMathPara>
+                </a14:m>
+                <a:endParaRPr lang="en-US" sz="2400" dirty="0"/>
+              </a:p>
+            </p:txBody>
+          </p:sp>
+        </mc:Choice>
+        <mc:Fallback>
+          <p:sp>
+            <p:nvSpPr>
+              <p:cNvPr id="3" name="TextBox 2">
+                <a:extLst>
+                  <a:ext uri="{FF2B5EF4-FFF2-40B4-BE49-F238E27FC236}">
+                    <a16:creationId xmlns:a16="http://schemas.microsoft.com/office/drawing/2014/main" id="{79479AF6-3559-FC38-E289-3F04E2AEDECF}"/>
+                  </a:ext>
+                </a:extLst>
+              </p:cNvPr>
+              <p:cNvSpPr txBox="1">
+                <a:spLocks noRot="1" noChangeAspect="1" noMove="1" noResize="1" noEditPoints="1" noAdjustHandles="1" noChangeArrowheads="1" noChangeShapeType="1" noTextEdit="1"/>
+              </p:cNvSpPr>
+              <p:nvPr/>
+            </p:nvSpPr>
+            <p:spPr>
+              <a:xfrm>
+                <a:off x="3075709" y="3314686"/>
+                <a:ext cx="5029200" cy="461665"/>
+              </a:xfrm>
+              <a:prstGeom prst="rect">
+                <a:avLst/>
+              </a:prstGeom>
+              <a:blipFill>
+                <a:blip r:embed="rId3"/>
+                <a:stretch>
+                  <a:fillRect b="-18667"/>
+                </a:stretch>
+              </a:blipFill>
+            </p:spPr>
+            <p:txBody>
+              <a:bodyPr/>
+              <a:lstStyle/>
+              <a:p>
+                <a:r>
+                  <a:rPr lang="en-US">
+                    <a:noFill/>
+                  </a:rPr>
+                  <a:t> </a:t>
+                </a:r>
+              </a:p>
+            </p:txBody>
+          </p:sp>
+        </mc:Fallback>
+      </mc:AlternateContent>
+      <mc:AlternateContent xmlns:mc="http://schemas.openxmlformats.org/markup-compatibility/2006">
+        <mc:Choice xmlns:a14="http://schemas.microsoft.com/office/drawing/2010/main" Requires="a14">
+          <p:sp>
+            <p:nvSpPr>
+              <p:cNvPr id="4" name="TextBox 3">
+                <a:extLst>
+                  <a:ext uri="{FF2B5EF4-FFF2-40B4-BE49-F238E27FC236}">
+                    <a16:creationId xmlns:a16="http://schemas.microsoft.com/office/drawing/2014/main" id="{EEBE1C95-0C84-13FF-E5EC-14DA1D1EAE16}"/>
+                  </a:ext>
+                </a:extLst>
+              </p:cNvPr>
+              <p:cNvSpPr txBox="1"/>
+              <p:nvPr/>
+            </p:nvSpPr>
+            <p:spPr>
+              <a:xfrm>
+                <a:off x="2694709" y="5095981"/>
+                <a:ext cx="5791200" cy="461665"/>
+              </a:xfrm>
+              <a:prstGeom prst="rect">
+                <a:avLst/>
+              </a:prstGeom>
+              <a:noFill/>
+            </p:spPr>
+            <p:txBody>
+              <a:bodyPr wrap="square" rtlCol="0">
+                <a:spAutoFit/>
+              </a:bodyPr>
+              <a:lstStyle/>
+              <a:p>
+                <a:pPr/>
+                <a14:m>
+                  <m:oMathPara xmlns:m="http://schemas.openxmlformats.org/officeDocument/2006/math">
+                    <m:oMathParaPr>
+                      <m:jc m:val="centerGroup"/>
+                    </m:oMathParaPr>
+                    <m:oMath xmlns:m="http://schemas.openxmlformats.org/officeDocument/2006/math">
+                      <m:r>
+                        <a:rPr lang="en-US" sz="2400" b="0" i="1" smtClean="0">
+                          <a:latin typeface="Cambria Math" panose="02040503050406030204" pitchFamily="18" charset="0"/>
+                        </a:rPr>
+                        <m:t>𝐵𝐼𝐶</m:t>
+                      </m:r>
+                      <m:r>
+                        <a:rPr lang="en-US" sz="2400" b="0" i="1" smtClean="0">
+                          <a:latin typeface="Cambria Math" panose="02040503050406030204" pitchFamily="18" charset="0"/>
+                        </a:rPr>
+                        <m:t>=−2</m:t>
+                      </m:r>
+                      <m:func>
+                        <m:funcPr>
+                          <m:ctrlPr>
+                            <a:rPr lang="en-US" sz="2400" b="0" i="1" smtClean="0">
+                              <a:latin typeface="Cambria Math" panose="02040503050406030204" pitchFamily="18" charset="0"/>
+                            </a:rPr>
+                          </m:ctrlPr>
+                        </m:funcPr>
+                        <m:fName>
+                          <m:r>
+                            <m:rPr>
+                              <m:sty m:val="p"/>
+                            </m:rPr>
+                            <a:rPr lang="en-US" sz="2400" b="0" i="0" smtClean="0">
+                              <a:latin typeface="Cambria Math" panose="02040503050406030204" pitchFamily="18" charset="0"/>
+                            </a:rPr>
+                            <m:t>log</m:t>
+                          </m:r>
+                        </m:fName>
+                        <m:e>
+                          <m:d>
+                            <m:dPr>
+                              <m:ctrlPr>
+                                <a:rPr lang="en-US" sz="2400" b="0" i="1" smtClean="0">
+                                  <a:latin typeface="Cambria Math" panose="02040503050406030204" pitchFamily="18" charset="0"/>
+                                </a:rPr>
+                              </m:ctrlPr>
+                            </m:dPr>
+                            <m:e>
+                              <m:r>
+                                <a:rPr lang="en-US" sz="2400" b="0" i="1" smtClean="0">
+                                  <a:latin typeface="Cambria Math" panose="02040503050406030204" pitchFamily="18" charset="0"/>
+                                </a:rPr>
+                                <m:t>𝐿𝑖𝑘𝑒𝑙𝑖h𝑜𝑜𝑑</m:t>
+                              </m:r>
+                            </m:e>
+                          </m:d>
+                        </m:e>
+                      </m:func>
+                      <m:r>
+                        <a:rPr lang="en-US" sz="2400" b="0" i="1" smtClean="0">
+                          <a:latin typeface="Cambria Math" panose="02040503050406030204" pitchFamily="18" charset="0"/>
+                        </a:rPr>
+                        <m:t>+</m:t>
+                      </m:r>
+                      <m:func>
+                        <m:funcPr>
+                          <m:ctrlPr>
+                            <a:rPr lang="en-US" sz="2400" b="0" i="1" smtClean="0">
+                              <a:latin typeface="Cambria Math" panose="02040503050406030204" pitchFamily="18" charset="0"/>
+                            </a:rPr>
+                          </m:ctrlPr>
+                        </m:funcPr>
+                        <m:fName>
+                          <m:r>
+                            <m:rPr>
+                              <m:sty m:val="p"/>
+                            </m:rPr>
+                            <a:rPr lang="en-US" sz="2400" b="0" i="0" smtClean="0">
+                              <a:latin typeface="Cambria Math" panose="02040503050406030204" pitchFamily="18" charset="0"/>
+                            </a:rPr>
+                            <m:t>log</m:t>
+                          </m:r>
+                        </m:fName>
+                        <m:e>
+                          <m:d>
+                            <m:dPr>
+                              <m:ctrlPr>
+                                <a:rPr lang="en-US" sz="2400" b="0" i="1" smtClean="0">
+                                  <a:latin typeface="Cambria Math" panose="02040503050406030204" pitchFamily="18" charset="0"/>
+                                </a:rPr>
+                              </m:ctrlPr>
+                            </m:dPr>
+                            <m:e>
+                              <m:r>
+                                <a:rPr lang="en-US" sz="2400" b="0" i="1" smtClean="0">
+                                  <a:latin typeface="Cambria Math" panose="02040503050406030204" pitchFamily="18" charset="0"/>
+                                </a:rPr>
+                                <m:t>𝑛</m:t>
+                              </m:r>
+                            </m:e>
+                          </m:d>
+                        </m:e>
+                      </m:func>
+                      <m:r>
+                        <a:rPr lang="en-US" sz="2400" b="0" i="1" smtClean="0">
+                          <a:latin typeface="Cambria Math" panose="02040503050406030204" pitchFamily="18" charset="0"/>
+                        </a:rPr>
+                        <m:t>𝑘</m:t>
+                      </m:r>
+                    </m:oMath>
+                  </m:oMathPara>
+                </a14:m>
+                <a:endParaRPr lang="en-US" sz="2400" dirty="0"/>
+              </a:p>
+            </p:txBody>
+          </p:sp>
+        </mc:Choice>
+        <mc:Fallback>
+          <p:sp>
+            <p:nvSpPr>
+              <p:cNvPr id="4" name="TextBox 3">
+                <a:extLst>
+                  <a:ext uri="{FF2B5EF4-FFF2-40B4-BE49-F238E27FC236}">
+                    <a16:creationId xmlns:a16="http://schemas.microsoft.com/office/drawing/2014/main" id="{EEBE1C95-0C84-13FF-E5EC-14DA1D1EAE16}"/>
+                  </a:ext>
+                </a:extLst>
+              </p:cNvPr>
+              <p:cNvSpPr txBox="1">
+                <a:spLocks noRot="1" noChangeAspect="1" noMove="1" noResize="1" noEditPoints="1" noAdjustHandles="1" noChangeArrowheads="1" noChangeShapeType="1" noTextEdit="1"/>
+              </p:cNvSpPr>
+              <p:nvPr/>
+            </p:nvSpPr>
+            <p:spPr>
+              <a:xfrm>
+                <a:off x="2694709" y="5095981"/>
+                <a:ext cx="5791200" cy="461665"/>
+              </a:xfrm>
+              <a:prstGeom prst="rect">
+                <a:avLst/>
+              </a:prstGeom>
+              <a:blipFill>
+                <a:blip r:embed="rId4"/>
+                <a:stretch>
+                  <a:fillRect b="-17105"/>
+                </a:stretch>
+              </a:blipFill>
+            </p:spPr>
+            <p:txBody>
+              <a:bodyPr/>
+              <a:lstStyle/>
+              <a:p>
+                <a:r>
+                  <a:rPr lang="en-US">
+                    <a:noFill/>
+                  </a:rPr>
+                  <a:t> </a:t>
+                </a:r>
+              </a:p>
+            </p:txBody>
+          </p:sp>
+        </mc:Fallback>
+      </mc:AlternateContent>
     </p:spTree>
     <p:extLst>
       <p:ext uri="{BB962C8B-B14F-4D97-AF65-F5344CB8AC3E}">
-        <p14:creationId xmlns:p14="http://schemas.microsoft.com/office/powerpoint/2010/main" val="3428059953"/>
+        <p14:creationId xmlns:p14="http://schemas.microsoft.com/office/powerpoint/2010/main" val="4282988458"/>
       </p:ext>
     </p:extLst>
   </p:cSld>
@@ -13145,7 +12749,7 @@
                 <a:latin typeface="Adobe Devanagari" panose="02040503050201020203" pitchFamily="18" charset="0"/>
                 <a:cs typeface="Adobe Devanagari" panose="02040503050201020203" pitchFamily="18" charset="0"/>
               </a:rPr>
-              <a:t>Example: Predicting Price of Home</a:t>
+              <a:t>Model Selection Algorithms</a:t>
             </a:r>
             <a:endParaRPr lang="en-US" sz="4800" dirty="0">
               <a:solidFill>
@@ -13169,8 +12773,8 @@
         </p:nvSpPr>
         <p:spPr>
           <a:xfrm>
-            <a:off x="457200" y="1974727"/>
-            <a:ext cx="11201400" cy="4869418"/>
+            <a:off x="457200" y="1981200"/>
+            <a:ext cx="11201400" cy="3439239"/>
           </a:xfrm>
           <a:prstGeom prst="roundRect">
             <a:avLst/>
@@ -13204,287 +12808,157 @@
           </a:bodyPr>
           <a:lstStyle/>
           <a:p>
-            <a:endParaRPr lang="en-US" sz="2800" dirty="0">
-              <a:solidFill>
-                <a:srgbClr val="660066"/>
-              </a:solidFill>
-            </a:endParaRPr>
-          </a:p>
-          <a:p>
             <a:pPr marL="457200" indent="-457200">
               <a:buFont typeface="Arial" panose="020B0604020202020204" pitchFamily="34" charset="0"/>
               <a:buChar char="•"/>
             </a:pPr>
-            <a:endParaRPr lang="en-US" sz="2800" i="1" dirty="0">
-              <a:solidFill>
-                <a:srgbClr val="660066"/>
-              </a:solidFill>
-            </a:endParaRPr>
-          </a:p>
-          <a:p>
-            <a:pPr marL="457200" indent="-457200">
+            <a:r>
+              <a:rPr lang="en-US" sz="2800" dirty="0">
+                <a:solidFill>
+                  <a:srgbClr val="660066"/>
+                </a:solidFill>
+              </a:rPr>
+              <a:t>Backwards Elimination</a:t>
+            </a:r>
+          </a:p>
+          <a:p>
+            <a:pPr marL="914400" lvl="1" indent="-457200">
               <a:buFont typeface="Arial" panose="020B0604020202020204" pitchFamily="34" charset="0"/>
               <a:buChar char="•"/>
             </a:pPr>
-            <a:endParaRPr lang="en-US" sz="2800" i="1" dirty="0">
-              <a:solidFill>
-                <a:srgbClr val="660066"/>
-              </a:solidFill>
-            </a:endParaRPr>
-          </a:p>
-          <a:p>
-            <a:pPr marL="457200" indent="-457200">
+            <a:r>
+              <a:rPr lang="en-US" sz="2800" dirty="0">
+                <a:solidFill>
+                  <a:srgbClr val="660066"/>
+                </a:solidFill>
+              </a:rPr>
+              <a:t>Start by Fitting Full Model</a:t>
+            </a:r>
+          </a:p>
+          <a:p>
+            <a:pPr marL="914400" lvl="1" indent="-457200">
               <a:buFont typeface="Arial" panose="020B0604020202020204" pitchFamily="34" charset="0"/>
               <a:buChar char="•"/>
             </a:pPr>
-            <a:endParaRPr lang="en-US" sz="2800" i="1" dirty="0">
-              <a:solidFill>
-                <a:srgbClr val="660066"/>
-              </a:solidFill>
-            </a:endParaRPr>
-          </a:p>
-          <a:p>
-            <a:pPr marL="457200" indent="-457200">
+            <a:r>
+              <a:rPr lang="en-US" sz="2800" dirty="0">
+                <a:solidFill>
+                  <a:srgbClr val="660066"/>
+                </a:solidFill>
+              </a:rPr>
+              <a:t>Remove Variable with the </a:t>
+            </a:r>
+            <a:r>
+              <a:rPr lang="en-US" sz="2800" b="1" dirty="0">
+                <a:solidFill>
+                  <a:srgbClr val="660066"/>
+                </a:solidFill>
+              </a:rPr>
+              <a:t>Largest P-value </a:t>
+            </a:r>
+            <a:r>
+              <a:rPr lang="en-US" sz="2800" dirty="0">
+                <a:solidFill>
+                  <a:srgbClr val="660066"/>
+                </a:solidFill>
+              </a:rPr>
+              <a:t>and </a:t>
+            </a:r>
+            <a:r>
+              <a:rPr lang="en-US" sz="2800" b="1" dirty="0">
+                <a:solidFill>
+                  <a:srgbClr val="660066"/>
+                </a:solidFill>
+              </a:rPr>
+              <a:t>&gt;0.05</a:t>
+            </a:r>
+          </a:p>
+          <a:p>
+            <a:pPr marL="914400" lvl="1" indent="-457200">
               <a:buFont typeface="Arial" panose="020B0604020202020204" pitchFamily="34" charset="0"/>
               <a:buChar char="•"/>
             </a:pPr>
-            <a:endParaRPr lang="en-US" sz="2800" i="1" dirty="0">
-              <a:solidFill>
-                <a:srgbClr val="660066"/>
-              </a:solidFill>
-            </a:endParaRPr>
-          </a:p>
-          <a:p>
-            <a:pPr marL="457200" indent="-457200">
+            <a:r>
+              <a:rPr lang="en-US" sz="2800" dirty="0">
+                <a:solidFill>
+                  <a:srgbClr val="660066"/>
+                </a:solidFill>
+              </a:rPr>
+              <a:t>Refit Model Without Previous Variable</a:t>
+            </a:r>
+          </a:p>
+          <a:p>
+            <a:pPr marL="914400" lvl="1" indent="-457200">
               <a:buFont typeface="Arial" panose="020B0604020202020204" pitchFamily="34" charset="0"/>
               <a:buChar char="•"/>
             </a:pPr>
-            <a:endParaRPr lang="en-US" sz="2800" i="1" dirty="0">
-              <a:solidFill>
-                <a:srgbClr val="660066"/>
-              </a:solidFill>
-            </a:endParaRPr>
-          </a:p>
-          <a:p>
-            <a:pPr marL="457200" indent="-457200">
+            <a:r>
+              <a:rPr lang="en-US" sz="2800" dirty="0">
+                <a:solidFill>
+                  <a:srgbClr val="660066"/>
+                </a:solidFill>
+              </a:rPr>
+              <a:t>Remove Variable with the </a:t>
+            </a:r>
+            <a:r>
+              <a:rPr lang="en-US" sz="2800" b="1" dirty="0">
+                <a:solidFill>
+                  <a:srgbClr val="660066"/>
+                </a:solidFill>
+              </a:rPr>
+              <a:t>Largest P-value </a:t>
+            </a:r>
+            <a:r>
+              <a:rPr lang="en-US" sz="2800" dirty="0">
+                <a:solidFill>
+                  <a:srgbClr val="660066"/>
+                </a:solidFill>
+              </a:rPr>
+              <a:t>and </a:t>
+            </a:r>
+            <a:r>
+              <a:rPr lang="en-US" sz="2800" b="1" dirty="0">
+                <a:solidFill>
+                  <a:srgbClr val="660066"/>
+                </a:solidFill>
+              </a:rPr>
+              <a:t>&gt;0.05</a:t>
+            </a:r>
+          </a:p>
+          <a:p>
+            <a:pPr marL="914400" lvl="1" indent="-457200">
               <a:buFont typeface="Arial" panose="020B0604020202020204" pitchFamily="34" charset="0"/>
               <a:buChar char="•"/>
             </a:pPr>
-            <a:endParaRPr lang="en-US" sz="2800" i="1" dirty="0">
-              <a:solidFill>
-                <a:srgbClr val="660066"/>
-              </a:solidFill>
-            </a:endParaRPr>
-          </a:p>
-          <a:p>
-            <a:pPr marL="457200" indent="-457200">
+            <a:r>
+              <a:rPr lang="en-US" sz="2800" dirty="0">
+                <a:solidFill>
+                  <a:srgbClr val="660066"/>
+                </a:solidFill>
+              </a:rPr>
+              <a:t>Continue…</a:t>
+            </a:r>
+          </a:p>
+          <a:p>
+            <a:pPr marL="914400" lvl="1" indent="-457200">
               <a:buFont typeface="Arial" panose="020B0604020202020204" pitchFamily="34" charset="0"/>
               <a:buChar char="•"/>
             </a:pPr>
-            <a:endParaRPr lang="en-US" sz="2800" i="1" dirty="0">
-              <a:solidFill>
-                <a:srgbClr val="660066"/>
-              </a:solidFill>
-            </a:endParaRPr>
-          </a:p>
-          <a:p>
-            <a:endParaRPr lang="en-US" sz="2800" i="1" dirty="0">
-              <a:solidFill>
-                <a:srgbClr val="660066"/>
-              </a:solidFill>
-            </a:endParaRPr>
-          </a:p>
-          <a:p>
-            <a:pPr marL="457200" indent="-457200">
-              <a:buFont typeface="Arial" panose="020B0604020202020204" pitchFamily="34" charset="0"/>
-              <a:buChar char="•"/>
-            </a:pPr>
-            <a:endParaRPr lang="en-US" sz="2800" i="1" dirty="0">
-              <a:solidFill>
-                <a:srgbClr val="660066"/>
-              </a:solidFill>
-            </a:endParaRPr>
-          </a:p>
-        </p:txBody>
-      </p:sp>
-      <p:pic>
-        <p:nvPicPr>
-          <p:cNvPr id="9" name="Picture 8">
-            <a:extLst>
-              <a:ext uri="{FF2B5EF4-FFF2-40B4-BE49-F238E27FC236}">
-                <a16:creationId xmlns:a16="http://schemas.microsoft.com/office/drawing/2014/main" id="{189CABB7-9BE8-987D-D78E-7248F0D9BDC8}"/>
-              </a:ext>
-            </a:extLst>
-          </p:cNvPr>
-          <p:cNvPicPr>
-            <a:picLocks noChangeAspect="1"/>
-          </p:cNvPicPr>
-          <p:nvPr/>
-        </p:nvPicPr>
-        <p:blipFill>
-          <a:blip r:embed="rId3"/>
-          <a:stretch>
-            <a:fillRect/>
-          </a:stretch>
-        </p:blipFill>
-        <p:spPr>
-          <a:xfrm>
-            <a:off x="728472" y="2590800"/>
-            <a:ext cx="5329428" cy="3726873"/>
-          </a:xfrm>
-          <a:prstGeom prst="rect">
-            <a:avLst/>
-          </a:prstGeom>
-          <a:ln w="28575">
-            <a:solidFill>
-              <a:srgbClr val="660066"/>
-            </a:solidFill>
-          </a:ln>
-        </p:spPr>
-      </p:pic>
-      <p:pic>
-        <p:nvPicPr>
-          <p:cNvPr id="11" name="Picture 10">
-            <a:extLst>
-              <a:ext uri="{FF2B5EF4-FFF2-40B4-BE49-F238E27FC236}">
-                <a16:creationId xmlns:a16="http://schemas.microsoft.com/office/drawing/2014/main" id="{9971A757-033E-A25D-61D2-811D900C6894}"/>
-              </a:ext>
-            </a:extLst>
-          </p:cNvPr>
-          <p:cNvPicPr>
-            <a:picLocks noChangeAspect="1"/>
-          </p:cNvPicPr>
-          <p:nvPr/>
-        </p:nvPicPr>
-        <p:blipFill>
-          <a:blip r:embed="rId4"/>
-          <a:stretch>
-            <a:fillRect/>
-          </a:stretch>
-        </p:blipFill>
-        <p:spPr>
-          <a:xfrm>
-            <a:off x="6192802" y="2590800"/>
-            <a:ext cx="5305052" cy="3726873"/>
-          </a:xfrm>
-          <a:prstGeom prst="rect">
-            <a:avLst/>
-          </a:prstGeom>
-          <a:ln w="28575">
-            <a:solidFill>
-              <a:srgbClr val="660066"/>
-            </a:solidFill>
-          </a:ln>
-        </p:spPr>
-      </p:pic>
-      <p:sp>
-        <p:nvSpPr>
-          <p:cNvPr id="13" name="Rectangle 12">
-            <a:extLst>
-              <a:ext uri="{FF2B5EF4-FFF2-40B4-BE49-F238E27FC236}">
-                <a16:creationId xmlns:a16="http://schemas.microsoft.com/office/drawing/2014/main" id="{9AB732DB-054A-6485-6A8C-6E7DEA050230}"/>
-              </a:ext>
-            </a:extLst>
-          </p:cNvPr>
-          <p:cNvSpPr/>
-          <p:nvPr/>
-        </p:nvSpPr>
-        <p:spPr>
-          <a:xfrm>
-            <a:off x="728472" y="4724400"/>
-            <a:ext cx="4930930" cy="304800"/>
-          </a:xfrm>
-          <a:prstGeom prst="rect">
-            <a:avLst/>
-          </a:prstGeom>
-          <a:noFill/>
-          <a:ln w="28575">
-            <a:solidFill>
-              <a:srgbClr val="660066"/>
-            </a:solidFill>
-          </a:ln>
-        </p:spPr>
-        <p:style>
-          <a:lnRef idx="2">
-            <a:schemeClr val="accent1">
-              <a:shade val="15000"/>
-            </a:schemeClr>
-          </a:lnRef>
-          <a:fillRef idx="1">
-            <a:schemeClr val="accent1"/>
-          </a:fillRef>
-          <a:effectRef idx="0">
-            <a:schemeClr val="accent1"/>
-          </a:effectRef>
-          <a:fontRef idx="minor">
-            <a:schemeClr val="lt1"/>
-          </a:fontRef>
-        </p:style>
-        <p:txBody>
-          <a:bodyPr rtlCol="0" anchor="ctr"/>
-          <a:lstStyle/>
-          <a:p>
-            <a:pPr algn="ctr"/>
-            <a:endParaRPr lang="en-US"/>
-          </a:p>
-        </p:txBody>
-      </p:sp>
-      <p:sp>
-        <p:nvSpPr>
-          <p:cNvPr id="14" name="Rectangle 13">
-            <a:extLst>
-              <a:ext uri="{FF2B5EF4-FFF2-40B4-BE49-F238E27FC236}">
-                <a16:creationId xmlns:a16="http://schemas.microsoft.com/office/drawing/2014/main" id="{C5CC6CCB-900D-34CD-1536-8EB212FD5E86}"/>
-              </a:ext>
-            </a:extLst>
-          </p:cNvPr>
-          <p:cNvSpPr/>
-          <p:nvPr/>
-        </p:nvSpPr>
-        <p:spPr>
-          <a:xfrm>
-            <a:off x="6192802" y="4724400"/>
-            <a:ext cx="4930930" cy="304800"/>
-          </a:xfrm>
-          <a:prstGeom prst="rect">
-            <a:avLst/>
-          </a:prstGeom>
-          <a:noFill/>
-          <a:ln w="28575">
-            <a:solidFill>
-              <a:srgbClr val="660066"/>
-            </a:solidFill>
-          </a:ln>
-        </p:spPr>
-        <p:style>
-          <a:lnRef idx="2">
-            <a:schemeClr val="accent1">
-              <a:shade val="15000"/>
-            </a:schemeClr>
-          </a:lnRef>
-          <a:fillRef idx="1">
-            <a:schemeClr val="accent1"/>
-          </a:fillRef>
-          <a:effectRef idx="0">
-            <a:schemeClr val="accent1"/>
-          </a:effectRef>
-          <a:fontRef idx="minor">
-            <a:schemeClr val="lt1"/>
-          </a:fontRef>
-        </p:style>
-        <p:txBody>
-          <a:bodyPr rtlCol="0" anchor="ctr"/>
-          <a:lstStyle/>
-          <a:p>
-            <a:pPr algn="ctr"/>
-            <a:endParaRPr lang="en-US"/>
+            <a:r>
+              <a:rPr lang="en-US" sz="2800" dirty="0">
+                <a:solidFill>
+                  <a:srgbClr val="660066"/>
+                </a:solidFill>
+              </a:rPr>
+              <a:t>Stop Removing Variables Once All Variables Have a P-value &lt;0.05</a:t>
+            </a:r>
           </a:p>
         </p:txBody>
       </p:sp>
     </p:spTree>
     <p:extLst>
       <p:ext uri="{BB962C8B-B14F-4D97-AF65-F5344CB8AC3E}">
-        <p14:creationId xmlns:p14="http://schemas.microsoft.com/office/powerpoint/2010/main" val="1812874721"/>
+        <p14:creationId xmlns:p14="http://schemas.microsoft.com/office/powerpoint/2010/main" val="4192025203"/>
       </p:ext>
     </p:extLst>
   </p:cSld>
